--- a/documentation/Development Plan.pptx
+++ b/documentation/Development Plan.pptx
@@ -6,6 +6,8 @@
   </p:sldMasterIdLst>
   <p:sldIdLst>
     <p:sldId id="256" r:id="rId2"/>
+    <p:sldId id="257" r:id="rId3"/>
+    <p:sldId id="258" r:id="rId4"/>
   </p:sldIdLst>
   <p:sldSz cx="12192000" cy="6858000"/>
   <p:notesSz cx="6858000" cy="9144000"/>
@@ -104,6 +106,11 @@
       </a:defRPr>
     </a:lvl9pPr>
   </p:defaultTextStyle>
+  <p:extLst>
+    <p:ext uri="{EFAFB233-063F-42B5-8137-9DF3F51BA10A}">
+      <p15:sldGuideLst xmlns:p15="http://schemas.microsoft.com/office/powerpoint/2012/main"/>
+    </p:ext>
+  </p:extLst>
 </p:presentation>
 </file>
 
@@ -254,7 +261,7 @@
           <a:p>
             <a:fld id="{65865202-F916-4940-8811-25C1A6A81FCB}" type="datetimeFigureOut">
               <a:rPr lang="en-US" smtClean="0"/>
-              <a:t>11/12/2022</a:t>
+              <a:t>7/20/2023</a:t>
             </a:fld>
             <a:endParaRPr lang="en-US"/>
           </a:p>
@@ -452,7 +459,7 @@
           <a:p>
             <a:fld id="{65865202-F916-4940-8811-25C1A6A81FCB}" type="datetimeFigureOut">
               <a:rPr lang="en-US" smtClean="0"/>
-              <a:t>11/12/2022</a:t>
+              <a:t>7/20/2023</a:t>
             </a:fld>
             <a:endParaRPr lang="en-US"/>
           </a:p>
@@ -660,7 +667,7 @@
           <a:p>
             <a:fld id="{65865202-F916-4940-8811-25C1A6A81FCB}" type="datetimeFigureOut">
               <a:rPr lang="en-US" smtClean="0"/>
-              <a:t>11/12/2022</a:t>
+              <a:t>7/20/2023</a:t>
             </a:fld>
             <a:endParaRPr lang="en-US"/>
           </a:p>
@@ -858,7 +865,7 @@
           <a:p>
             <a:fld id="{65865202-F916-4940-8811-25C1A6A81FCB}" type="datetimeFigureOut">
               <a:rPr lang="en-US" smtClean="0"/>
-              <a:t>11/12/2022</a:t>
+              <a:t>7/20/2023</a:t>
             </a:fld>
             <a:endParaRPr lang="en-US"/>
           </a:p>
@@ -1133,7 +1140,7 @@
           <a:p>
             <a:fld id="{65865202-F916-4940-8811-25C1A6A81FCB}" type="datetimeFigureOut">
               <a:rPr lang="en-US" smtClean="0"/>
-              <a:t>11/12/2022</a:t>
+              <a:t>7/20/2023</a:t>
             </a:fld>
             <a:endParaRPr lang="en-US"/>
           </a:p>
@@ -1398,7 +1405,7 @@
           <a:p>
             <a:fld id="{65865202-F916-4940-8811-25C1A6A81FCB}" type="datetimeFigureOut">
               <a:rPr lang="en-US" smtClean="0"/>
-              <a:t>11/12/2022</a:t>
+              <a:t>7/20/2023</a:t>
             </a:fld>
             <a:endParaRPr lang="en-US"/>
           </a:p>
@@ -1810,7 +1817,7 @@
           <a:p>
             <a:fld id="{65865202-F916-4940-8811-25C1A6A81FCB}" type="datetimeFigureOut">
               <a:rPr lang="en-US" smtClean="0"/>
-              <a:t>11/12/2022</a:t>
+              <a:t>7/20/2023</a:t>
             </a:fld>
             <a:endParaRPr lang="en-US"/>
           </a:p>
@@ -1951,7 +1958,7 @@
           <a:p>
             <a:fld id="{65865202-F916-4940-8811-25C1A6A81FCB}" type="datetimeFigureOut">
               <a:rPr lang="en-US" smtClean="0"/>
-              <a:t>11/12/2022</a:t>
+              <a:t>7/20/2023</a:t>
             </a:fld>
             <a:endParaRPr lang="en-US"/>
           </a:p>
@@ -2064,7 +2071,7 @@
           <a:p>
             <a:fld id="{65865202-F916-4940-8811-25C1A6A81FCB}" type="datetimeFigureOut">
               <a:rPr lang="en-US" smtClean="0"/>
-              <a:t>11/12/2022</a:t>
+              <a:t>7/20/2023</a:t>
             </a:fld>
             <a:endParaRPr lang="en-US"/>
           </a:p>
@@ -2375,7 +2382,7 @@
           <a:p>
             <a:fld id="{65865202-F916-4940-8811-25C1A6A81FCB}" type="datetimeFigureOut">
               <a:rPr lang="en-US" smtClean="0"/>
-              <a:t>11/12/2022</a:t>
+              <a:t>7/20/2023</a:t>
             </a:fld>
             <a:endParaRPr lang="en-US"/>
           </a:p>
@@ -2663,7 +2670,7 @@
           <a:p>
             <a:fld id="{65865202-F916-4940-8811-25C1A6A81FCB}" type="datetimeFigureOut">
               <a:rPr lang="en-US" smtClean="0"/>
-              <a:t>11/12/2022</a:t>
+              <a:t>7/20/2023</a:t>
             </a:fld>
             <a:endParaRPr lang="en-US"/>
           </a:p>
@@ -2904,7 +2911,7 @@
           <a:p>
             <a:fld id="{65865202-F916-4940-8811-25C1A6A81FCB}" type="datetimeFigureOut">
               <a:rPr lang="en-US" smtClean="0"/>
-              <a:t>11/12/2022</a:t>
+              <a:t>7/20/2023</a:t>
             </a:fld>
             <a:endParaRPr lang="en-US"/>
           </a:p>
@@ -3499,7 +3506,7 @@
                     <a:bodyPr/>
                     <a:lstStyle/>
                     <a:p>
-                      <a:endParaRPr lang="en-US"/>
+                      <a:endParaRPr lang="en-US" dirty="0"/>
                     </a:p>
                   </a:txBody>
                   <a:tcPr/>
@@ -4462,7 +4469,7 @@
                     <a:bodyPr/>
                     <a:lstStyle/>
                     <a:p>
-                      <a:endParaRPr lang="en-US"/>
+                      <a:endParaRPr lang="en-US" dirty="0"/>
                     </a:p>
                   </a:txBody>
                   <a:tcPr/>
@@ -6501,6 +6508,3518 @@
     <p:extLst>
       <p:ext uri="{BB962C8B-B14F-4D97-AF65-F5344CB8AC3E}">
         <p14:creationId xmlns:p14="http://schemas.microsoft.com/office/powerpoint/2010/main" val="2211006702"/>
+      </p:ext>
+    </p:extLst>
+  </p:cSld>
+  <p:clrMapOvr>
+    <a:masterClrMapping/>
+  </p:clrMapOvr>
+</p:sld>
+</file>
+
+<file path=ppt/slides/slide2.xml><?xml version="1.0" encoding="utf-8"?>
+<p:sld xmlns:a="http://schemas.openxmlformats.org/drawingml/2006/main" xmlns:r="http://schemas.openxmlformats.org/officeDocument/2006/relationships" xmlns:p="http://schemas.openxmlformats.org/presentationml/2006/main">
+  <p:cSld>
+    <p:spTree>
+      <p:nvGrpSpPr>
+        <p:cNvPr id="1" name=""/>
+        <p:cNvGrpSpPr/>
+        <p:nvPr/>
+      </p:nvGrpSpPr>
+      <p:grpSpPr>
+        <a:xfrm>
+          <a:off x="0" y="0"/>
+          <a:ext cx="0" cy="0"/>
+          <a:chOff x="0" y="0"/>
+          <a:chExt cx="0" cy="0"/>
+        </a:xfrm>
+      </p:grpSpPr>
+      <p:sp>
+        <p:nvSpPr>
+          <p:cNvPr id="2" name="Title 1">
+            <a:extLst>
+              <a:ext uri="{FF2B5EF4-FFF2-40B4-BE49-F238E27FC236}">
+                <a16:creationId xmlns:a16="http://schemas.microsoft.com/office/drawing/2014/main" id="{DE3F6C50-613F-44B7-AAEE-3F6B4C2EEB30}"/>
+              </a:ext>
+            </a:extLst>
+          </p:cNvPr>
+          <p:cNvSpPr>
+            <a:spLocks noGrp="1"/>
+          </p:cNvSpPr>
+          <p:nvPr>
+            <p:ph type="title"/>
+          </p:nvPr>
+        </p:nvSpPr>
+        <p:spPr/>
+        <p:txBody>
+          <a:bodyPr/>
+          <a:lstStyle/>
+          <a:p>
+            <a:r>
+              <a:rPr lang="en-US" dirty="0"/>
+              <a:t>Task: Cross in a occluded situation</a:t>
+            </a:r>
+          </a:p>
+        </p:txBody>
+      </p:sp>
+      <p:graphicFrame>
+        <p:nvGraphicFramePr>
+          <p:cNvPr id="4" name="Table 3">
+            <a:extLst>
+              <a:ext uri="{FF2B5EF4-FFF2-40B4-BE49-F238E27FC236}">
+                <a16:creationId xmlns:a16="http://schemas.microsoft.com/office/drawing/2014/main" id="{7D1B5AE9-9DB5-4778-9091-99CA70817FEB}"/>
+              </a:ext>
+            </a:extLst>
+          </p:cNvPr>
+          <p:cNvGraphicFramePr>
+            <a:graphicFrameLocks noGrp="1"/>
+          </p:cNvGraphicFramePr>
+          <p:nvPr>
+            <p:extLst>
+              <p:ext uri="{D42A27DB-BD31-4B8C-83A1-F6EECF244321}">
+                <p14:modId xmlns:p14="http://schemas.microsoft.com/office/powerpoint/2010/main" val="1626936664"/>
+              </p:ext>
+            </p:extLst>
+          </p:nvPr>
+        </p:nvGraphicFramePr>
+        <p:xfrm>
+          <a:off x="2031998" y="1569427"/>
+          <a:ext cx="1098064" cy="5037992"/>
+        </p:xfrm>
+        <a:graphic>
+          <a:graphicData uri="http://schemas.openxmlformats.org/drawingml/2006/table">
+            <a:tbl>
+              <a:tblPr firstRow="1" bandRow="1">
+                <a:tableStyleId>{BC89EF96-8CEA-46FF-86C4-4CE0E7609802}</a:tableStyleId>
+              </a:tblPr>
+              <a:tblGrid>
+                <a:gridCol w="549032">
+                  <a:extLst>
+                    <a:ext uri="{9D8B030D-6E8A-4147-A177-3AD203B41FA5}">
+                      <a16:colId xmlns:a16="http://schemas.microsoft.com/office/drawing/2014/main" val="4098180038"/>
+                    </a:ext>
+                  </a:extLst>
+                </a:gridCol>
+                <a:gridCol w="549032">
+                  <a:extLst>
+                    <a:ext uri="{9D8B030D-6E8A-4147-A177-3AD203B41FA5}">
+                      <a16:colId xmlns:a16="http://schemas.microsoft.com/office/drawing/2014/main" val="3298405597"/>
+                    </a:ext>
+                  </a:extLst>
+                </a:gridCol>
+              </a:tblGrid>
+              <a:tr h="629749">
+                <a:tc>
+                  <a:txBody>
+                    <a:bodyPr/>
+                    <a:lstStyle/>
+                    <a:p>
+                      <a:endParaRPr lang="en-US" dirty="0"/>
+                    </a:p>
+                  </a:txBody>
+                  <a:tcPr marL="0" marR="0" marT="0" marB="0"/>
+                </a:tc>
+                <a:tc>
+                  <a:txBody>
+                    <a:bodyPr/>
+                    <a:lstStyle/>
+                    <a:p>
+                      <a:endParaRPr lang="en-US" dirty="0"/>
+                    </a:p>
+                  </a:txBody>
+                  <a:tcPr marL="0" marR="0" marT="0" marB="0"/>
+                </a:tc>
+                <a:extLst>
+                  <a:ext uri="{0D108BD9-81ED-4DB2-BD59-A6C34878D82A}">
+                    <a16:rowId xmlns:a16="http://schemas.microsoft.com/office/drawing/2014/main" val="2683975562"/>
+                  </a:ext>
+                </a:extLst>
+              </a:tr>
+              <a:tr h="629749">
+                <a:tc>
+                  <a:txBody>
+                    <a:bodyPr/>
+                    <a:lstStyle/>
+                    <a:p>
+                      <a:endParaRPr lang="en-US"/>
+                    </a:p>
+                  </a:txBody>
+                  <a:tcPr marL="0" marR="0" marT="0" marB="0"/>
+                </a:tc>
+                <a:tc>
+                  <a:txBody>
+                    <a:bodyPr/>
+                    <a:lstStyle/>
+                    <a:p>
+                      <a:endParaRPr lang="en-US"/>
+                    </a:p>
+                  </a:txBody>
+                  <a:tcPr marL="0" marR="0" marT="0" marB="0"/>
+                </a:tc>
+                <a:extLst>
+                  <a:ext uri="{0D108BD9-81ED-4DB2-BD59-A6C34878D82A}">
+                    <a16:rowId xmlns:a16="http://schemas.microsoft.com/office/drawing/2014/main" val="3183424473"/>
+                  </a:ext>
+                </a:extLst>
+              </a:tr>
+              <a:tr h="629749">
+                <a:tc>
+                  <a:txBody>
+                    <a:bodyPr/>
+                    <a:lstStyle/>
+                    <a:p>
+                      <a:endParaRPr lang="en-US"/>
+                    </a:p>
+                  </a:txBody>
+                  <a:tcPr marL="0" marR="0" marT="0" marB="0"/>
+                </a:tc>
+                <a:tc>
+                  <a:txBody>
+                    <a:bodyPr/>
+                    <a:lstStyle/>
+                    <a:p>
+                      <a:endParaRPr lang="en-US"/>
+                    </a:p>
+                  </a:txBody>
+                  <a:tcPr marL="0" marR="0" marT="0" marB="0"/>
+                </a:tc>
+                <a:extLst>
+                  <a:ext uri="{0D108BD9-81ED-4DB2-BD59-A6C34878D82A}">
+                    <a16:rowId xmlns:a16="http://schemas.microsoft.com/office/drawing/2014/main" val="2292728567"/>
+                  </a:ext>
+                </a:extLst>
+              </a:tr>
+              <a:tr h="629749">
+                <a:tc>
+                  <a:txBody>
+                    <a:bodyPr/>
+                    <a:lstStyle/>
+                    <a:p>
+                      <a:endParaRPr lang="en-US"/>
+                    </a:p>
+                  </a:txBody>
+                  <a:tcPr marL="0" marR="0" marT="0" marB="0"/>
+                </a:tc>
+                <a:tc>
+                  <a:txBody>
+                    <a:bodyPr/>
+                    <a:lstStyle/>
+                    <a:p>
+                      <a:endParaRPr lang="en-US"/>
+                    </a:p>
+                  </a:txBody>
+                  <a:tcPr marL="0" marR="0" marT="0" marB="0"/>
+                </a:tc>
+                <a:extLst>
+                  <a:ext uri="{0D108BD9-81ED-4DB2-BD59-A6C34878D82A}">
+                    <a16:rowId xmlns:a16="http://schemas.microsoft.com/office/drawing/2014/main" val="2650926057"/>
+                  </a:ext>
+                </a:extLst>
+              </a:tr>
+              <a:tr h="629749">
+                <a:tc>
+                  <a:txBody>
+                    <a:bodyPr/>
+                    <a:lstStyle/>
+                    <a:p>
+                      <a:endParaRPr lang="en-US"/>
+                    </a:p>
+                  </a:txBody>
+                  <a:tcPr marL="0" marR="0" marT="0" marB="0"/>
+                </a:tc>
+                <a:tc>
+                  <a:txBody>
+                    <a:bodyPr/>
+                    <a:lstStyle/>
+                    <a:p>
+                      <a:endParaRPr lang="en-US"/>
+                    </a:p>
+                  </a:txBody>
+                  <a:tcPr marL="0" marR="0" marT="0" marB="0"/>
+                </a:tc>
+                <a:extLst>
+                  <a:ext uri="{0D108BD9-81ED-4DB2-BD59-A6C34878D82A}">
+                    <a16:rowId xmlns:a16="http://schemas.microsoft.com/office/drawing/2014/main" val="3370322043"/>
+                  </a:ext>
+                </a:extLst>
+              </a:tr>
+              <a:tr h="629749">
+                <a:tc>
+                  <a:txBody>
+                    <a:bodyPr/>
+                    <a:lstStyle/>
+                    <a:p>
+                      <a:endParaRPr lang="en-US"/>
+                    </a:p>
+                  </a:txBody>
+                  <a:tcPr marL="0" marR="0" marT="0" marB="0"/>
+                </a:tc>
+                <a:tc>
+                  <a:txBody>
+                    <a:bodyPr/>
+                    <a:lstStyle/>
+                    <a:p>
+                      <a:endParaRPr lang="en-US"/>
+                    </a:p>
+                  </a:txBody>
+                  <a:tcPr marL="0" marR="0" marT="0" marB="0"/>
+                </a:tc>
+                <a:extLst>
+                  <a:ext uri="{0D108BD9-81ED-4DB2-BD59-A6C34878D82A}">
+                    <a16:rowId xmlns:a16="http://schemas.microsoft.com/office/drawing/2014/main" val="3722672805"/>
+                  </a:ext>
+                </a:extLst>
+              </a:tr>
+              <a:tr h="629749">
+                <a:tc>
+                  <a:txBody>
+                    <a:bodyPr/>
+                    <a:lstStyle/>
+                    <a:p>
+                      <a:endParaRPr lang="en-US"/>
+                    </a:p>
+                  </a:txBody>
+                  <a:tcPr marL="0" marR="0" marT="0" marB="0"/>
+                </a:tc>
+                <a:tc>
+                  <a:txBody>
+                    <a:bodyPr/>
+                    <a:lstStyle/>
+                    <a:p>
+                      <a:endParaRPr lang="en-US"/>
+                    </a:p>
+                  </a:txBody>
+                  <a:tcPr marL="0" marR="0" marT="0" marB="0"/>
+                </a:tc>
+                <a:extLst>
+                  <a:ext uri="{0D108BD9-81ED-4DB2-BD59-A6C34878D82A}">
+                    <a16:rowId xmlns:a16="http://schemas.microsoft.com/office/drawing/2014/main" val="1225206721"/>
+                  </a:ext>
+                </a:extLst>
+              </a:tr>
+              <a:tr h="629749">
+                <a:tc>
+                  <a:txBody>
+                    <a:bodyPr/>
+                    <a:lstStyle/>
+                    <a:p>
+                      <a:endParaRPr lang="en-US"/>
+                    </a:p>
+                  </a:txBody>
+                  <a:tcPr marL="0" marR="0" marT="0" marB="0"/>
+                </a:tc>
+                <a:tc>
+                  <a:txBody>
+                    <a:bodyPr/>
+                    <a:lstStyle/>
+                    <a:p>
+                      <a:endParaRPr lang="en-US" dirty="0"/>
+                    </a:p>
+                  </a:txBody>
+                  <a:tcPr marL="0" marR="0" marT="0" marB="0"/>
+                </a:tc>
+                <a:extLst>
+                  <a:ext uri="{0D108BD9-81ED-4DB2-BD59-A6C34878D82A}">
+                    <a16:rowId xmlns:a16="http://schemas.microsoft.com/office/drawing/2014/main" val="2742018762"/>
+                  </a:ext>
+                </a:extLst>
+              </a:tr>
+            </a:tbl>
+          </a:graphicData>
+        </a:graphic>
+      </p:graphicFrame>
+      <p:pic>
+        <p:nvPicPr>
+          <p:cNvPr id="6" name="Graphic 5" descr="Car">
+            <a:extLst>
+              <a:ext uri="{FF2B5EF4-FFF2-40B4-BE49-F238E27FC236}">
+                <a16:creationId xmlns:a16="http://schemas.microsoft.com/office/drawing/2014/main" id="{A1C880FB-2709-43CD-935F-84199420DA46}"/>
+              </a:ext>
+            </a:extLst>
+          </p:cNvPr>
+          <p:cNvPicPr>
+            <a:picLocks noChangeAspect="1"/>
+          </p:cNvPicPr>
+          <p:nvPr/>
+        </p:nvPicPr>
+        <p:blipFill>
+          <a:blip r:embed="rId2">
+            <a:extLst>
+              <a:ext uri="{28A0092B-C50C-407E-A947-70E740481C1C}">
+                <a14:useLocalDpi xmlns:a14="http://schemas.microsoft.com/office/drawing/2010/main" val="0"/>
+              </a:ext>
+              <a:ext uri="{96DAC541-7B7A-43D3-8B79-37D633B846F1}">
+                <asvg:svgBlip xmlns:asvg="http://schemas.microsoft.com/office/drawing/2016/SVG/main" r:embed="rId3"/>
+              </a:ext>
+            </a:extLst>
+          </a:blip>
+          <a:stretch>
+            <a:fillRect/>
+          </a:stretch>
+        </p:blipFill>
+        <p:spPr>
+          <a:xfrm rot="16200000">
+            <a:off x="2481997" y="5710914"/>
+            <a:ext cx="766881" cy="766881"/>
+          </a:xfrm>
+          <a:prstGeom prst="rect">
+            <a:avLst/>
+          </a:prstGeom>
+        </p:spPr>
+      </p:pic>
+      <p:pic>
+        <p:nvPicPr>
+          <p:cNvPr id="8" name="Graphic 7" descr="Truck">
+            <a:extLst>
+              <a:ext uri="{FF2B5EF4-FFF2-40B4-BE49-F238E27FC236}">
+                <a16:creationId xmlns:a16="http://schemas.microsoft.com/office/drawing/2014/main" id="{349D111D-4456-430F-97EE-D0B44335F993}"/>
+              </a:ext>
+            </a:extLst>
+          </p:cNvPr>
+          <p:cNvPicPr>
+            <a:picLocks noChangeAspect="1"/>
+          </p:cNvPicPr>
+          <p:nvPr/>
+        </p:nvPicPr>
+        <p:blipFill>
+          <a:blip r:embed="rId4">
+            <a:extLst>
+              <a:ext uri="{28A0092B-C50C-407E-A947-70E740481C1C}">
+                <a14:useLocalDpi xmlns:a14="http://schemas.microsoft.com/office/drawing/2010/main" val="0"/>
+              </a:ext>
+              <a:ext uri="{96DAC541-7B7A-43D3-8B79-37D633B846F1}">
+                <asvg:svgBlip xmlns:asvg="http://schemas.microsoft.com/office/drawing/2016/SVG/main" r:embed="rId5"/>
+              </a:ext>
+            </a:extLst>
+          </a:blip>
+          <a:stretch>
+            <a:fillRect/>
+          </a:stretch>
+        </p:blipFill>
+        <p:spPr>
+          <a:xfrm rot="16200000">
+            <a:off x="1853040" y="2919411"/>
+            <a:ext cx="914400" cy="914400"/>
+          </a:xfrm>
+          <a:prstGeom prst="rect">
+            <a:avLst/>
+          </a:prstGeom>
+        </p:spPr>
+      </p:pic>
+      <p:sp>
+        <p:nvSpPr>
+          <p:cNvPr id="9" name="Arrow: Right 8">
+            <a:extLst>
+              <a:ext uri="{FF2B5EF4-FFF2-40B4-BE49-F238E27FC236}">
+                <a16:creationId xmlns:a16="http://schemas.microsoft.com/office/drawing/2014/main" id="{8D28D6E0-ED06-41F9-80CF-E53857DEB6E6}"/>
+              </a:ext>
+            </a:extLst>
+          </p:cNvPr>
+          <p:cNvSpPr/>
+          <p:nvPr/>
+        </p:nvSpPr>
+        <p:spPr>
+          <a:xfrm rot="16200000">
+            <a:off x="2730012" y="5424609"/>
+            <a:ext cx="356088" cy="219808"/>
+          </a:xfrm>
+          <a:prstGeom prst="rightArrow">
+            <a:avLst/>
+          </a:prstGeom>
+        </p:spPr>
+        <p:style>
+          <a:lnRef idx="2">
+            <a:schemeClr val="accent1">
+              <a:shade val="50000"/>
+            </a:schemeClr>
+          </a:lnRef>
+          <a:fillRef idx="1">
+            <a:schemeClr val="accent1"/>
+          </a:fillRef>
+          <a:effectRef idx="0">
+            <a:schemeClr val="accent1"/>
+          </a:effectRef>
+          <a:fontRef idx="minor">
+            <a:schemeClr val="lt1"/>
+          </a:fontRef>
+        </p:style>
+        <p:txBody>
+          <a:bodyPr rtlCol="0" anchor="ctr"/>
+          <a:lstStyle/>
+          <a:p>
+            <a:pPr algn="ctr"/>
+            <a:endParaRPr lang="en-US"/>
+          </a:p>
+        </p:txBody>
+      </p:sp>
+      <p:pic>
+        <p:nvPicPr>
+          <p:cNvPr id="11" name="Graphic 10" descr="Walk">
+            <a:extLst>
+              <a:ext uri="{FF2B5EF4-FFF2-40B4-BE49-F238E27FC236}">
+                <a16:creationId xmlns:a16="http://schemas.microsoft.com/office/drawing/2014/main" id="{131A66B1-56FA-4343-9038-E01EFE6CA1B8}"/>
+              </a:ext>
+            </a:extLst>
+          </p:cNvPr>
+          <p:cNvPicPr>
+            <a:picLocks noChangeAspect="1"/>
+          </p:cNvPicPr>
+          <p:nvPr/>
+        </p:nvPicPr>
+        <p:blipFill>
+          <a:blip r:embed="rId6">
+            <a:extLst>
+              <a:ext uri="{28A0092B-C50C-407E-A947-70E740481C1C}">
+                <a14:useLocalDpi xmlns:a14="http://schemas.microsoft.com/office/drawing/2010/main" val="0"/>
+              </a:ext>
+              <a:ext uri="{96DAC541-7B7A-43D3-8B79-37D633B846F1}">
+                <asvg:svgBlip xmlns:asvg="http://schemas.microsoft.com/office/drawing/2016/SVG/main" r:embed="rId7"/>
+              </a:ext>
+            </a:extLst>
+          </a:blip>
+          <a:stretch>
+            <a:fillRect/>
+          </a:stretch>
+        </p:blipFill>
+        <p:spPr>
+          <a:xfrm>
+            <a:off x="1611923" y="2341684"/>
+            <a:ext cx="383931" cy="383931"/>
+          </a:xfrm>
+          <a:prstGeom prst="rect">
+            <a:avLst/>
+          </a:prstGeom>
+        </p:spPr>
+      </p:pic>
+      <p:cxnSp>
+        <p:nvCxnSpPr>
+          <p:cNvPr id="13" name="Straight Arrow Connector 12">
+            <a:extLst>
+              <a:ext uri="{FF2B5EF4-FFF2-40B4-BE49-F238E27FC236}">
+                <a16:creationId xmlns:a16="http://schemas.microsoft.com/office/drawing/2014/main" id="{4825BB38-EA06-4CFE-B6AE-A73023EF30B2}"/>
+              </a:ext>
+            </a:extLst>
+          </p:cNvPr>
+          <p:cNvCxnSpPr>
+            <a:stCxn id="11" idx="0"/>
+          </p:cNvCxnSpPr>
+          <p:nvPr/>
+        </p:nvCxnSpPr>
+        <p:spPr>
+          <a:xfrm>
+            <a:off x="1803889" y="2341684"/>
+            <a:ext cx="904142" cy="4591051"/>
+          </a:xfrm>
+          <a:prstGeom prst="straightConnector1">
+            <a:avLst/>
+          </a:prstGeom>
+          <a:ln>
+            <a:tailEnd type="triangle"/>
+          </a:ln>
+        </p:spPr>
+        <p:style>
+          <a:lnRef idx="1">
+            <a:schemeClr val="accent1"/>
+          </a:lnRef>
+          <a:fillRef idx="0">
+            <a:schemeClr val="accent1"/>
+          </a:fillRef>
+          <a:effectRef idx="0">
+            <a:schemeClr val="accent1"/>
+          </a:effectRef>
+          <a:fontRef idx="minor">
+            <a:schemeClr val="tx1"/>
+          </a:fontRef>
+        </p:style>
+      </p:cxnSp>
+      <p:cxnSp>
+        <p:nvCxnSpPr>
+          <p:cNvPr id="14" name="Straight Arrow Connector 13">
+            <a:extLst>
+              <a:ext uri="{FF2B5EF4-FFF2-40B4-BE49-F238E27FC236}">
+                <a16:creationId xmlns:a16="http://schemas.microsoft.com/office/drawing/2014/main" id="{D16E4403-EBBF-4315-AA13-D6223791F80C}"/>
+              </a:ext>
+            </a:extLst>
+          </p:cNvPr>
+          <p:cNvCxnSpPr>
+            <a:cxnSpLocks/>
+            <a:stCxn id="11" idx="0"/>
+          </p:cNvCxnSpPr>
+          <p:nvPr/>
+        </p:nvCxnSpPr>
+        <p:spPr>
+          <a:xfrm>
+            <a:off x="1803889" y="2341684"/>
+            <a:ext cx="2407869" cy="1913793"/>
+          </a:xfrm>
+          <a:prstGeom prst="straightConnector1">
+            <a:avLst/>
+          </a:prstGeom>
+          <a:ln>
+            <a:tailEnd type="triangle"/>
+          </a:ln>
+        </p:spPr>
+        <p:style>
+          <a:lnRef idx="1">
+            <a:schemeClr val="accent1"/>
+          </a:lnRef>
+          <a:fillRef idx="0">
+            <a:schemeClr val="accent1"/>
+          </a:fillRef>
+          <a:effectRef idx="0">
+            <a:schemeClr val="accent1"/>
+          </a:effectRef>
+          <a:fontRef idx="minor">
+            <a:schemeClr val="tx1"/>
+          </a:fontRef>
+        </p:style>
+      </p:cxnSp>
+      <p:sp>
+        <p:nvSpPr>
+          <p:cNvPr id="17" name="TextBox 16">
+            <a:extLst>
+              <a:ext uri="{FF2B5EF4-FFF2-40B4-BE49-F238E27FC236}">
+                <a16:creationId xmlns:a16="http://schemas.microsoft.com/office/drawing/2014/main" id="{F5FE9C3F-6477-43E5-BB87-CDE888CB740E}"/>
+              </a:ext>
+            </a:extLst>
+          </p:cNvPr>
+          <p:cNvSpPr txBox="1"/>
+          <p:nvPr/>
+        </p:nvSpPr>
+        <p:spPr>
+          <a:xfrm>
+            <a:off x="4826977" y="2246435"/>
+            <a:ext cx="1723292" cy="1754326"/>
+          </a:xfrm>
+          <a:prstGeom prst="rect">
+            <a:avLst/>
+          </a:prstGeom>
+          <a:noFill/>
+        </p:spPr>
+        <p:txBody>
+          <a:bodyPr wrap="square" rtlCol="0">
+            <a:spAutoFit/>
+          </a:bodyPr>
+          <a:lstStyle/>
+          <a:p>
+            <a:r>
+              <a:rPr lang="en-US" dirty="0"/>
+              <a:t>At t0, </a:t>
+            </a:r>
+            <a:r>
+              <a:rPr lang="en-US" dirty="0" err="1"/>
+              <a:t>v_p</a:t>
+            </a:r>
+            <a:r>
+              <a:rPr lang="en-US" dirty="0"/>
+              <a:t> 1,0</a:t>
+            </a:r>
+          </a:p>
+          <a:p>
+            <a:r>
+              <a:rPr lang="en-US" dirty="0"/>
+              <a:t>At t1, </a:t>
+            </a:r>
+            <a:r>
+              <a:rPr lang="en-US" dirty="0" err="1"/>
+              <a:t>v_p</a:t>
+            </a:r>
+            <a:r>
+              <a:rPr lang="en-US" dirty="0"/>
+              <a:t> 1, 2</a:t>
+            </a:r>
+          </a:p>
+          <a:p>
+            <a:r>
+              <a:rPr lang="en-US" dirty="0"/>
+              <a:t>At t2, </a:t>
+            </a:r>
+            <a:r>
+              <a:rPr lang="en-US" dirty="0" err="1"/>
+              <a:t>v_p</a:t>
+            </a:r>
+            <a:r>
+              <a:rPr lang="en-US" dirty="0"/>
+              <a:t> 1, 4</a:t>
+            </a:r>
+          </a:p>
+          <a:p>
+            <a:r>
+              <a:rPr lang="en-US" dirty="0"/>
+              <a:t>At t3, </a:t>
+            </a:r>
+            <a:r>
+              <a:rPr lang="en-US" dirty="0" err="1"/>
+              <a:t>v_p</a:t>
+            </a:r>
+            <a:r>
+              <a:rPr lang="en-US" dirty="0"/>
+              <a:t> 1, 6</a:t>
+            </a:r>
+          </a:p>
+          <a:p>
+            <a:r>
+              <a:rPr lang="en-US" dirty="0"/>
+              <a:t>At t4, </a:t>
+            </a:r>
+            <a:r>
+              <a:rPr lang="en-US" dirty="0" err="1"/>
+              <a:t>v_p</a:t>
+            </a:r>
+            <a:r>
+              <a:rPr lang="en-US" dirty="0"/>
+              <a:t> 1, 8</a:t>
+            </a:r>
+          </a:p>
+          <a:p>
+            <a:r>
+              <a:rPr lang="en-US" dirty="0"/>
+              <a:t>At t5, </a:t>
+            </a:r>
+            <a:r>
+              <a:rPr lang="en-US" dirty="0" err="1"/>
+              <a:t>v_p</a:t>
+            </a:r>
+            <a:r>
+              <a:rPr lang="en-US" dirty="0"/>
+              <a:t> 1, 10</a:t>
+            </a:r>
+          </a:p>
+        </p:txBody>
+      </p:sp>
+      <p:sp>
+        <p:nvSpPr>
+          <p:cNvPr id="18" name="TextBox 17">
+            <a:extLst>
+              <a:ext uri="{FF2B5EF4-FFF2-40B4-BE49-F238E27FC236}">
+                <a16:creationId xmlns:a16="http://schemas.microsoft.com/office/drawing/2014/main" id="{F52DDF85-635C-41EF-B600-48F1EF36606F}"/>
+              </a:ext>
+            </a:extLst>
+          </p:cNvPr>
+          <p:cNvSpPr txBox="1"/>
+          <p:nvPr/>
+        </p:nvSpPr>
+        <p:spPr>
+          <a:xfrm>
+            <a:off x="7045569" y="2246435"/>
+            <a:ext cx="1723292" cy="1200329"/>
+          </a:xfrm>
+          <a:prstGeom prst="rect">
+            <a:avLst/>
+          </a:prstGeom>
+          <a:noFill/>
+        </p:spPr>
+        <p:txBody>
+          <a:bodyPr wrap="square" rtlCol="0">
+            <a:spAutoFit/>
+          </a:bodyPr>
+          <a:lstStyle/>
+          <a:p>
+            <a:r>
+              <a:rPr lang="en-US" dirty="0"/>
+              <a:t>At t0, </a:t>
+            </a:r>
+            <a:r>
+              <a:rPr lang="en-US" dirty="0" err="1"/>
+              <a:t>v_p</a:t>
+            </a:r>
+            <a:r>
+              <a:rPr lang="en-US" dirty="0"/>
+              <a:t> 1,0</a:t>
+            </a:r>
+          </a:p>
+          <a:p>
+            <a:r>
+              <a:rPr lang="en-US" dirty="0"/>
+              <a:t>At t1, </a:t>
+            </a:r>
+            <a:r>
+              <a:rPr lang="en-US" dirty="0" err="1"/>
+              <a:t>v_p</a:t>
+            </a:r>
+            <a:r>
+              <a:rPr lang="en-US" dirty="0"/>
+              <a:t> 1, 4</a:t>
+            </a:r>
+          </a:p>
+          <a:p>
+            <a:r>
+              <a:rPr lang="en-US" dirty="0"/>
+              <a:t>At t2, </a:t>
+            </a:r>
+            <a:r>
+              <a:rPr lang="en-US" dirty="0" err="1"/>
+              <a:t>v_p</a:t>
+            </a:r>
+            <a:r>
+              <a:rPr lang="en-US" dirty="0"/>
+              <a:t> 1, 8</a:t>
+            </a:r>
+          </a:p>
+          <a:p>
+            <a:r>
+              <a:rPr lang="en-US" dirty="0"/>
+              <a:t>At t3, </a:t>
+            </a:r>
+            <a:r>
+              <a:rPr lang="en-US" dirty="0" err="1"/>
+              <a:t>v_p</a:t>
+            </a:r>
+            <a:r>
+              <a:rPr lang="en-US" dirty="0"/>
+              <a:t> 1, 10</a:t>
+            </a:r>
+          </a:p>
+        </p:txBody>
+      </p:sp>
+      <p:sp>
+        <p:nvSpPr>
+          <p:cNvPr id="19" name="TextBox 18">
+            <a:extLst>
+              <a:ext uri="{FF2B5EF4-FFF2-40B4-BE49-F238E27FC236}">
+                <a16:creationId xmlns:a16="http://schemas.microsoft.com/office/drawing/2014/main" id="{33A468E2-6F9F-4AED-B747-CF73D960EAFE}"/>
+              </a:ext>
+            </a:extLst>
+          </p:cNvPr>
+          <p:cNvSpPr txBox="1"/>
+          <p:nvPr/>
+        </p:nvSpPr>
+        <p:spPr>
+          <a:xfrm>
+            <a:off x="7045569" y="3429000"/>
+            <a:ext cx="1723292" cy="1754326"/>
+          </a:xfrm>
+          <a:prstGeom prst="rect">
+            <a:avLst/>
+          </a:prstGeom>
+          <a:noFill/>
+        </p:spPr>
+        <p:txBody>
+          <a:bodyPr wrap="square" rtlCol="0">
+            <a:spAutoFit/>
+          </a:bodyPr>
+          <a:lstStyle/>
+          <a:p>
+            <a:r>
+              <a:rPr lang="en-US" dirty="0"/>
+              <a:t>At t0, </a:t>
+            </a:r>
+            <a:r>
+              <a:rPr lang="en-US" dirty="0" err="1"/>
+              <a:t>v_p</a:t>
+            </a:r>
+            <a:r>
+              <a:rPr lang="en-US" dirty="0"/>
+              <a:t> 1,0</a:t>
+            </a:r>
+          </a:p>
+          <a:p>
+            <a:r>
+              <a:rPr lang="en-US" dirty="0"/>
+              <a:t>At t1, </a:t>
+            </a:r>
+            <a:r>
+              <a:rPr lang="en-US" dirty="0" err="1"/>
+              <a:t>v_p</a:t>
+            </a:r>
+            <a:r>
+              <a:rPr lang="en-US" dirty="0"/>
+              <a:t> 1, 2</a:t>
+            </a:r>
+          </a:p>
+          <a:p>
+            <a:r>
+              <a:rPr lang="en-US" dirty="0"/>
+              <a:t>At t2, </a:t>
+            </a:r>
+            <a:r>
+              <a:rPr lang="en-US" dirty="0" err="1"/>
+              <a:t>v_p</a:t>
+            </a:r>
+            <a:r>
+              <a:rPr lang="en-US" dirty="0"/>
+              <a:t> 1, 3</a:t>
+            </a:r>
+          </a:p>
+          <a:p>
+            <a:r>
+              <a:rPr lang="en-US" dirty="0"/>
+              <a:t>At t3, </a:t>
+            </a:r>
+            <a:r>
+              <a:rPr lang="en-US" dirty="0" err="1"/>
+              <a:t>v_p</a:t>
+            </a:r>
+            <a:r>
+              <a:rPr lang="en-US" dirty="0"/>
+              <a:t> 1, 6</a:t>
+            </a:r>
+          </a:p>
+          <a:p>
+            <a:r>
+              <a:rPr lang="en-US" dirty="0"/>
+              <a:t>At t5, </a:t>
+            </a:r>
+            <a:r>
+              <a:rPr lang="en-US" dirty="0" err="1"/>
+              <a:t>v_p</a:t>
+            </a:r>
+            <a:r>
+              <a:rPr lang="en-US" dirty="0"/>
+              <a:t> 1, 10</a:t>
+            </a:r>
+          </a:p>
+          <a:p>
+            <a:endParaRPr lang="en-US" dirty="0"/>
+          </a:p>
+        </p:txBody>
+      </p:sp>
+      <p:sp>
+        <p:nvSpPr>
+          <p:cNvPr id="20" name="TextBox 19">
+            <a:extLst>
+              <a:ext uri="{FF2B5EF4-FFF2-40B4-BE49-F238E27FC236}">
+                <a16:creationId xmlns:a16="http://schemas.microsoft.com/office/drawing/2014/main" id="{560B166A-E37B-4B3A-9547-400A94E4A0BD}"/>
+              </a:ext>
+            </a:extLst>
+          </p:cNvPr>
+          <p:cNvSpPr txBox="1"/>
+          <p:nvPr/>
+        </p:nvSpPr>
+        <p:spPr>
+          <a:xfrm>
+            <a:off x="4826977" y="4255477"/>
+            <a:ext cx="1635369" cy="369332"/>
+          </a:xfrm>
+          <a:prstGeom prst="rect">
+            <a:avLst/>
+          </a:prstGeom>
+          <a:noFill/>
+        </p:spPr>
+        <p:txBody>
+          <a:bodyPr wrap="square" rtlCol="0">
+            <a:spAutoFit/>
+          </a:bodyPr>
+          <a:lstStyle/>
+          <a:p>
+            <a:r>
+              <a:rPr lang="en-US" dirty="0" err="1"/>
+              <a:t>PositionAction</a:t>
+            </a:r>
+            <a:endParaRPr lang="en-US" dirty="0"/>
+          </a:p>
+        </p:txBody>
+      </p:sp>
+    </p:spTree>
+    <p:extLst>
+      <p:ext uri="{BB962C8B-B14F-4D97-AF65-F5344CB8AC3E}">
+        <p14:creationId xmlns:p14="http://schemas.microsoft.com/office/powerpoint/2010/main" val="3511799536"/>
+      </p:ext>
+    </p:extLst>
+  </p:cSld>
+  <p:clrMapOvr>
+    <a:masterClrMapping/>
+  </p:clrMapOvr>
+</p:sld>
+</file>
+
+<file path=ppt/slides/slide3.xml><?xml version="1.0" encoding="utf-8"?>
+<p:sld xmlns:a="http://schemas.openxmlformats.org/drawingml/2006/main" xmlns:r="http://schemas.openxmlformats.org/officeDocument/2006/relationships" xmlns:p="http://schemas.openxmlformats.org/presentationml/2006/main">
+  <p:cSld>
+    <p:spTree>
+      <p:nvGrpSpPr>
+        <p:cNvPr id="1" name=""/>
+        <p:cNvGrpSpPr/>
+        <p:nvPr/>
+      </p:nvGrpSpPr>
+      <p:grpSpPr>
+        <a:xfrm>
+          <a:off x="0" y="0"/>
+          <a:ext cx="0" cy="0"/>
+          <a:chOff x="0" y="0"/>
+          <a:chExt cx="0" cy="0"/>
+        </a:xfrm>
+      </p:grpSpPr>
+      <p:sp>
+        <p:nvSpPr>
+          <p:cNvPr id="3" name="Content Placeholder 2">
+            <a:extLst>
+              <a:ext uri="{FF2B5EF4-FFF2-40B4-BE49-F238E27FC236}">
+                <a16:creationId xmlns:a16="http://schemas.microsoft.com/office/drawing/2014/main" id="{7C968CAA-C6FA-460B-9034-C19ABDAA8CB0}"/>
+              </a:ext>
+            </a:extLst>
+          </p:cNvPr>
+          <p:cNvSpPr>
+            <a:spLocks noGrp="1"/>
+          </p:cNvSpPr>
+          <p:nvPr>
+            <p:ph idx="1"/>
+          </p:nvPr>
+        </p:nvSpPr>
+        <p:spPr>
+          <a:xfrm>
+            <a:off x="6474069" y="641389"/>
+            <a:ext cx="2727080" cy="598326"/>
+          </a:xfrm>
+        </p:spPr>
+        <p:txBody>
+          <a:bodyPr>
+            <a:normAutofit fontScale="55000" lnSpcReduction="20000"/>
+          </a:bodyPr>
+          <a:lstStyle/>
+          <a:p>
+            <a:pPr marL="0" indent="0">
+              <a:buNone/>
+            </a:pPr>
+            <a:r>
+              <a:rPr lang="en-US" dirty="0"/>
+              <a:t>Occupancy Grid: relative to position of some actor and how much they can see</a:t>
+            </a:r>
+          </a:p>
+        </p:txBody>
+      </p:sp>
+      <p:graphicFrame>
+        <p:nvGraphicFramePr>
+          <p:cNvPr id="5" name="Table 4">
+            <a:extLst>
+              <a:ext uri="{FF2B5EF4-FFF2-40B4-BE49-F238E27FC236}">
+                <a16:creationId xmlns:a16="http://schemas.microsoft.com/office/drawing/2014/main" id="{A31F1F2A-3B6C-4677-8E8C-E085FA8D9E88}"/>
+              </a:ext>
+            </a:extLst>
+          </p:cNvPr>
+          <p:cNvGraphicFramePr>
+            <a:graphicFrameLocks noGrp="1"/>
+          </p:cNvGraphicFramePr>
+          <p:nvPr>
+            <p:extLst>
+              <p:ext uri="{D42A27DB-BD31-4B8C-83A1-F6EECF244321}">
+                <p14:modId xmlns:p14="http://schemas.microsoft.com/office/powerpoint/2010/main" val="3861630690"/>
+              </p:ext>
+            </p:extLst>
+          </p:nvPr>
+        </p:nvGraphicFramePr>
+        <p:xfrm>
+          <a:off x="1583593" y="641389"/>
+          <a:ext cx="3573669" cy="3657600"/>
+        </p:xfrm>
+        <a:graphic>
+          <a:graphicData uri="http://schemas.openxmlformats.org/drawingml/2006/table">
+            <a:tbl>
+              <a:tblPr firstRow="1" bandRow="1">
+                <a:tableStyleId>{5C22544A-7EE6-4342-B048-85BDC9FD1C3A}</a:tableStyleId>
+              </a:tblPr>
+              <a:tblGrid>
+                <a:gridCol w="358340">
+                  <a:extLst>
+                    <a:ext uri="{9D8B030D-6E8A-4147-A177-3AD203B41FA5}">
+                      <a16:colId xmlns:a16="http://schemas.microsoft.com/office/drawing/2014/main" val="1477955814"/>
+                    </a:ext>
+                  </a:extLst>
+                </a:gridCol>
+                <a:gridCol w="358340">
+                  <a:extLst>
+                    <a:ext uri="{9D8B030D-6E8A-4147-A177-3AD203B41FA5}">
+                      <a16:colId xmlns:a16="http://schemas.microsoft.com/office/drawing/2014/main" val="1696882852"/>
+                    </a:ext>
+                  </a:extLst>
+                </a:gridCol>
+                <a:gridCol w="358340">
+                  <a:extLst>
+                    <a:ext uri="{9D8B030D-6E8A-4147-A177-3AD203B41FA5}">
+                      <a16:colId xmlns:a16="http://schemas.microsoft.com/office/drawing/2014/main" val="2846937068"/>
+                    </a:ext>
+                  </a:extLst>
+                </a:gridCol>
+                <a:gridCol w="358340">
+                  <a:extLst>
+                    <a:ext uri="{9D8B030D-6E8A-4147-A177-3AD203B41FA5}">
+                      <a16:colId xmlns:a16="http://schemas.microsoft.com/office/drawing/2014/main" val="3825034378"/>
+                    </a:ext>
+                  </a:extLst>
+                </a:gridCol>
+                <a:gridCol w="358340">
+                  <a:extLst>
+                    <a:ext uri="{9D8B030D-6E8A-4147-A177-3AD203B41FA5}">
+                      <a16:colId xmlns:a16="http://schemas.microsoft.com/office/drawing/2014/main" val="455546843"/>
+                    </a:ext>
+                  </a:extLst>
+                </a:gridCol>
+                <a:gridCol w="358340">
+                  <a:extLst>
+                    <a:ext uri="{9D8B030D-6E8A-4147-A177-3AD203B41FA5}">
+                      <a16:colId xmlns:a16="http://schemas.microsoft.com/office/drawing/2014/main" val="2298935477"/>
+                    </a:ext>
+                  </a:extLst>
+                </a:gridCol>
+                <a:gridCol w="358340">
+                  <a:extLst>
+                    <a:ext uri="{9D8B030D-6E8A-4147-A177-3AD203B41FA5}">
+                      <a16:colId xmlns:a16="http://schemas.microsoft.com/office/drawing/2014/main" val="2817856500"/>
+                    </a:ext>
+                  </a:extLst>
+                </a:gridCol>
+                <a:gridCol w="358340">
+                  <a:extLst>
+                    <a:ext uri="{9D8B030D-6E8A-4147-A177-3AD203B41FA5}">
+                      <a16:colId xmlns:a16="http://schemas.microsoft.com/office/drawing/2014/main" val="3729160014"/>
+                    </a:ext>
+                  </a:extLst>
+                </a:gridCol>
+                <a:gridCol w="358340">
+                  <a:extLst>
+                    <a:ext uri="{9D8B030D-6E8A-4147-A177-3AD203B41FA5}">
+                      <a16:colId xmlns:a16="http://schemas.microsoft.com/office/drawing/2014/main" val="2305666999"/>
+                    </a:ext>
+                  </a:extLst>
+                </a:gridCol>
+                <a:gridCol w="348609">
+                  <a:extLst>
+                    <a:ext uri="{9D8B030D-6E8A-4147-A177-3AD203B41FA5}">
+                      <a16:colId xmlns:a16="http://schemas.microsoft.com/office/drawing/2014/main" val="3579755411"/>
+                    </a:ext>
+                  </a:extLst>
+                </a:gridCol>
+              </a:tblGrid>
+              <a:tr h="337526">
+                <a:tc>
+                  <a:txBody>
+                    <a:bodyPr/>
+                    <a:lstStyle/>
+                    <a:p>
+                      <a:r>
+                        <a:rPr lang="en-US" dirty="0"/>
+                        <a:t>0</a:t>
+                      </a:r>
+                    </a:p>
+                  </a:txBody>
+                  <a:tcPr/>
+                </a:tc>
+                <a:tc>
+                  <a:txBody>
+                    <a:bodyPr/>
+                    <a:lstStyle/>
+                    <a:p>
+                      <a:r>
+                        <a:rPr lang="en-US" dirty="0"/>
+                        <a:t>0</a:t>
+                      </a:r>
+                    </a:p>
+                  </a:txBody>
+                  <a:tcPr/>
+                </a:tc>
+                <a:tc>
+                  <a:txBody>
+                    <a:bodyPr/>
+                    <a:lstStyle/>
+                    <a:p>
+                      <a:endParaRPr lang="en-US"/>
+                    </a:p>
+                  </a:txBody>
+                  <a:tcPr/>
+                </a:tc>
+                <a:tc>
+                  <a:txBody>
+                    <a:bodyPr/>
+                    <a:lstStyle/>
+                    <a:p>
+                      <a:endParaRPr lang="en-US"/>
+                    </a:p>
+                  </a:txBody>
+                  <a:tcPr/>
+                </a:tc>
+                <a:tc>
+                  <a:txBody>
+                    <a:bodyPr/>
+                    <a:lstStyle/>
+                    <a:p>
+                      <a:endParaRPr lang="en-US" dirty="0"/>
+                    </a:p>
+                  </a:txBody>
+                  <a:tcPr/>
+                </a:tc>
+                <a:tc>
+                  <a:txBody>
+                    <a:bodyPr/>
+                    <a:lstStyle/>
+                    <a:p>
+                      <a:r>
+                        <a:rPr lang="en-US" dirty="0"/>
+                        <a:t>0</a:t>
+                      </a:r>
+                    </a:p>
+                  </a:txBody>
+                  <a:tcPr/>
+                </a:tc>
+                <a:tc>
+                  <a:txBody>
+                    <a:bodyPr/>
+                    <a:lstStyle/>
+                    <a:p>
+                      <a:r>
+                        <a:rPr lang="en-US" dirty="0"/>
+                        <a:t>0</a:t>
+                      </a:r>
+                    </a:p>
+                  </a:txBody>
+                  <a:tcPr/>
+                </a:tc>
+                <a:tc>
+                  <a:txBody>
+                    <a:bodyPr/>
+                    <a:lstStyle/>
+                    <a:p>
+                      <a:r>
+                        <a:rPr lang="en-US" dirty="0"/>
+                        <a:t>0</a:t>
+                      </a:r>
+                    </a:p>
+                  </a:txBody>
+                  <a:tcPr/>
+                </a:tc>
+                <a:tc>
+                  <a:txBody>
+                    <a:bodyPr/>
+                    <a:lstStyle/>
+                    <a:p>
+                      <a:endParaRPr lang="en-US"/>
+                    </a:p>
+                  </a:txBody>
+                  <a:tcPr/>
+                </a:tc>
+                <a:tc>
+                  <a:txBody>
+                    <a:bodyPr/>
+                    <a:lstStyle/>
+                    <a:p>
+                      <a:endParaRPr lang="en-US"/>
+                    </a:p>
+                  </a:txBody>
+                  <a:tcPr/>
+                </a:tc>
+                <a:extLst>
+                  <a:ext uri="{0D108BD9-81ED-4DB2-BD59-A6C34878D82A}">
+                    <a16:rowId xmlns:a16="http://schemas.microsoft.com/office/drawing/2014/main" val="414029089"/>
+                  </a:ext>
+                </a:extLst>
+              </a:tr>
+              <a:tr h="337526">
+                <a:tc>
+                  <a:txBody>
+                    <a:bodyPr/>
+                    <a:lstStyle/>
+                    <a:p>
+                      <a:endParaRPr lang="en-US"/>
+                    </a:p>
+                  </a:txBody>
+                  <a:tcPr/>
+                </a:tc>
+                <a:tc>
+                  <a:txBody>
+                    <a:bodyPr/>
+                    <a:lstStyle/>
+                    <a:p>
+                      <a:endParaRPr lang="en-US"/>
+                    </a:p>
+                  </a:txBody>
+                  <a:tcPr/>
+                </a:tc>
+                <a:tc>
+                  <a:txBody>
+                    <a:bodyPr/>
+                    <a:lstStyle/>
+                    <a:p>
+                      <a:endParaRPr lang="en-US"/>
+                    </a:p>
+                  </a:txBody>
+                  <a:tcPr/>
+                </a:tc>
+                <a:tc>
+                  <a:txBody>
+                    <a:bodyPr/>
+                    <a:lstStyle/>
+                    <a:p>
+                      <a:endParaRPr lang="en-US"/>
+                    </a:p>
+                  </a:txBody>
+                  <a:tcPr/>
+                </a:tc>
+                <a:tc>
+                  <a:txBody>
+                    <a:bodyPr/>
+                    <a:lstStyle/>
+                    <a:p>
+                      <a:endParaRPr lang="en-US"/>
+                    </a:p>
+                  </a:txBody>
+                  <a:tcPr/>
+                </a:tc>
+                <a:tc>
+                  <a:txBody>
+                    <a:bodyPr/>
+                    <a:lstStyle/>
+                    <a:p>
+                      <a:endParaRPr lang="en-US"/>
+                    </a:p>
+                  </a:txBody>
+                  <a:tcPr/>
+                </a:tc>
+                <a:tc>
+                  <a:txBody>
+                    <a:bodyPr/>
+                    <a:lstStyle/>
+                    <a:p>
+                      <a:endParaRPr lang="en-US"/>
+                    </a:p>
+                  </a:txBody>
+                  <a:tcPr/>
+                </a:tc>
+                <a:tc>
+                  <a:txBody>
+                    <a:bodyPr/>
+                    <a:lstStyle/>
+                    <a:p>
+                      <a:r>
+                        <a:rPr lang="en-US" dirty="0"/>
+                        <a:t>0</a:t>
+                      </a:r>
+                    </a:p>
+                  </a:txBody>
+                  <a:tcPr/>
+                </a:tc>
+                <a:tc>
+                  <a:txBody>
+                    <a:bodyPr/>
+                    <a:lstStyle/>
+                    <a:p>
+                      <a:endParaRPr lang="en-US"/>
+                    </a:p>
+                  </a:txBody>
+                  <a:tcPr/>
+                </a:tc>
+                <a:tc>
+                  <a:txBody>
+                    <a:bodyPr/>
+                    <a:lstStyle/>
+                    <a:p>
+                      <a:endParaRPr lang="en-US"/>
+                    </a:p>
+                  </a:txBody>
+                  <a:tcPr/>
+                </a:tc>
+                <a:extLst>
+                  <a:ext uri="{0D108BD9-81ED-4DB2-BD59-A6C34878D82A}">
+                    <a16:rowId xmlns:a16="http://schemas.microsoft.com/office/drawing/2014/main" val="619398999"/>
+                  </a:ext>
+                </a:extLst>
+              </a:tr>
+              <a:tr h="337526">
+                <a:tc>
+                  <a:txBody>
+                    <a:bodyPr/>
+                    <a:lstStyle/>
+                    <a:p>
+                      <a:endParaRPr lang="en-US"/>
+                    </a:p>
+                  </a:txBody>
+                  <a:tcPr/>
+                </a:tc>
+                <a:tc>
+                  <a:txBody>
+                    <a:bodyPr/>
+                    <a:lstStyle/>
+                    <a:p>
+                      <a:endParaRPr lang="en-US"/>
+                    </a:p>
+                  </a:txBody>
+                  <a:tcPr/>
+                </a:tc>
+                <a:tc>
+                  <a:txBody>
+                    <a:bodyPr/>
+                    <a:lstStyle/>
+                    <a:p>
+                      <a:endParaRPr lang="en-US"/>
+                    </a:p>
+                  </a:txBody>
+                  <a:tcPr/>
+                </a:tc>
+                <a:tc>
+                  <a:txBody>
+                    <a:bodyPr/>
+                    <a:lstStyle/>
+                    <a:p>
+                      <a:endParaRPr lang="en-US"/>
+                    </a:p>
+                  </a:txBody>
+                  <a:tcPr/>
+                </a:tc>
+                <a:tc>
+                  <a:txBody>
+                    <a:bodyPr/>
+                    <a:lstStyle/>
+                    <a:p>
+                      <a:endParaRPr lang="en-US"/>
+                    </a:p>
+                  </a:txBody>
+                  <a:tcPr/>
+                </a:tc>
+                <a:tc>
+                  <a:txBody>
+                    <a:bodyPr/>
+                    <a:lstStyle/>
+                    <a:p>
+                      <a:endParaRPr lang="en-US"/>
+                    </a:p>
+                  </a:txBody>
+                  <a:tcPr/>
+                </a:tc>
+                <a:tc>
+                  <a:txBody>
+                    <a:bodyPr/>
+                    <a:lstStyle/>
+                    <a:p>
+                      <a:endParaRPr lang="en-US"/>
+                    </a:p>
+                  </a:txBody>
+                  <a:tcPr/>
+                </a:tc>
+                <a:tc>
+                  <a:txBody>
+                    <a:bodyPr/>
+                    <a:lstStyle/>
+                    <a:p>
+                      <a:endParaRPr lang="en-US"/>
+                    </a:p>
+                  </a:txBody>
+                  <a:tcPr/>
+                </a:tc>
+                <a:tc>
+                  <a:txBody>
+                    <a:bodyPr/>
+                    <a:lstStyle/>
+                    <a:p>
+                      <a:endParaRPr lang="en-US"/>
+                    </a:p>
+                  </a:txBody>
+                  <a:tcPr/>
+                </a:tc>
+                <a:tc>
+                  <a:txBody>
+                    <a:bodyPr/>
+                    <a:lstStyle/>
+                    <a:p>
+                      <a:endParaRPr lang="en-US"/>
+                    </a:p>
+                  </a:txBody>
+                  <a:tcPr/>
+                </a:tc>
+                <a:extLst>
+                  <a:ext uri="{0D108BD9-81ED-4DB2-BD59-A6C34878D82A}">
+                    <a16:rowId xmlns:a16="http://schemas.microsoft.com/office/drawing/2014/main" val="2137866702"/>
+                  </a:ext>
+                </a:extLst>
+              </a:tr>
+              <a:tr h="337526">
+                <a:tc>
+                  <a:txBody>
+                    <a:bodyPr/>
+                    <a:lstStyle/>
+                    <a:p>
+                      <a:endParaRPr lang="en-US"/>
+                    </a:p>
+                  </a:txBody>
+                  <a:tcPr/>
+                </a:tc>
+                <a:tc>
+                  <a:txBody>
+                    <a:bodyPr/>
+                    <a:lstStyle/>
+                    <a:p>
+                      <a:endParaRPr lang="en-US"/>
+                    </a:p>
+                  </a:txBody>
+                  <a:tcPr/>
+                </a:tc>
+                <a:tc>
+                  <a:txBody>
+                    <a:bodyPr/>
+                    <a:lstStyle/>
+                    <a:p>
+                      <a:endParaRPr lang="en-US"/>
+                    </a:p>
+                  </a:txBody>
+                  <a:tcPr/>
+                </a:tc>
+                <a:tc>
+                  <a:txBody>
+                    <a:bodyPr/>
+                    <a:lstStyle/>
+                    <a:p>
+                      <a:endParaRPr lang="en-US"/>
+                    </a:p>
+                  </a:txBody>
+                  <a:tcPr/>
+                </a:tc>
+                <a:tc>
+                  <a:txBody>
+                    <a:bodyPr/>
+                    <a:lstStyle/>
+                    <a:p>
+                      <a:endParaRPr lang="en-US"/>
+                    </a:p>
+                  </a:txBody>
+                  <a:tcPr/>
+                </a:tc>
+                <a:tc>
+                  <a:txBody>
+                    <a:bodyPr/>
+                    <a:lstStyle/>
+                    <a:p>
+                      <a:endParaRPr lang="en-US"/>
+                    </a:p>
+                  </a:txBody>
+                  <a:tcPr/>
+                </a:tc>
+                <a:tc>
+                  <a:txBody>
+                    <a:bodyPr/>
+                    <a:lstStyle/>
+                    <a:p>
+                      <a:endParaRPr lang="en-US"/>
+                    </a:p>
+                  </a:txBody>
+                  <a:tcPr/>
+                </a:tc>
+                <a:tc>
+                  <a:txBody>
+                    <a:bodyPr/>
+                    <a:lstStyle/>
+                    <a:p>
+                      <a:endParaRPr lang="en-US"/>
+                    </a:p>
+                  </a:txBody>
+                  <a:tcPr/>
+                </a:tc>
+                <a:tc>
+                  <a:txBody>
+                    <a:bodyPr/>
+                    <a:lstStyle/>
+                    <a:p>
+                      <a:endParaRPr lang="en-US"/>
+                    </a:p>
+                  </a:txBody>
+                  <a:tcPr/>
+                </a:tc>
+                <a:tc>
+                  <a:txBody>
+                    <a:bodyPr/>
+                    <a:lstStyle/>
+                    <a:p>
+                      <a:endParaRPr lang="en-US"/>
+                    </a:p>
+                  </a:txBody>
+                  <a:tcPr/>
+                </a:tc>
+                <a:extLst>
+                  <a:ext uri="{0D108BD9-81ED-4DB2-BD59-A6C34878D82A}">
+                    <a16:rowId xmlns:a16="http://schemas.microsoft.com/office/drawing/2014/main" val="2772994655"/>
+                  </a:ext>
+                </a:extLst>
+              </a:tr>
+              <a:tr h="337526">
+                <a:tc>
+                  <a:txBody>
+                    <a:bodyPr/>
+                    <a:lstStyle/>
+                    <a:p>
+                      <a:endParaRPr lang="en-US"/>
+                    </a:p>
+                  </a:txBody>
+                  <a:tcPr/>
+                </a:tc>
+                <a:tc>
+                  <a:txBody>
+                    <a:bodyPr/>
+                    <a:lstStyle/>
+                    <a:p>
+                      <a:endParaRPr lang="en-US"/>
+                    </a:p>
+                  </a:txBody>
+                  <a:tcPr/>
+                </a:tc>
+                <a:tc>
+                  <a:txBody>
+                    <a:bodyPr/>
+                    <a:lstStyle/>
+                    <a:p>
+                      <a:endParaRPr lang="en-US"/>
+                    </a:p>
+                  </a:txBody>
+                  <a:tcPr/>
+                </a:tc>
+                <a:tc>
+                  <a:txBody>
+                    <a:bodyPr/>
+                    <a:lstStyle/>
+                    <a:p>
+                      <a:endParaRPr lang="en-US"/>
+                    </a:p>
+                  </a:txBody>
+                  <a:tcPr/>
+                </a:tc>
+                <a:tc>
+                  <a:txBody>
+                    <a:bodyPr/>
+                    <a:lstStyle/>
+                    <a:p>
+                      <a:endParaRPr lang="en-US"/>
+                    </a:p>
+                  </a:txBody>
+                  <a:tcPr/>
+                </a:tc>
+                <a:tc>
+                  <a:txBody>
+                    <a:bodyPr/>
+                    <a:lstStyle/>
+                    <a:p>
+                      <a:endParaRPr lang="en-US"/>
+                    </a:p>
+                  </a:txBody>
+                  <a:tcPr/>
+                </a:tc>
+                <a:tc>
+                  <a:txBody>
+                    <a:bodyPr/>
+                    <a:lstStyle/>
+                    <a:p>
+                      <a:endParaRPr lang="en-US"/>
+                    </a:p>
+                  </a:txBody>
+                  <a:tcPr/>
+                </a:tc>
+                <a:tc>
+                  <a:txBody>
+                    <a:bodyPr/>
+                    <a:lstStyle/>
+                    <a:p>
+                      <a:endParaRPr lang="en-US"/>
+                    </a:p>
+                  </a:txBody>
+                  <a:tcPr/>
+                </a:tc>
+                <a:tc>
+                  <a:txBody>
+                    <a:bodyPr/>
+                    <a:lstStyle/>
+                    <a:p>
+                      <a:endParaRPr lang="en-US"/>
+                    </a:p>
+                  </a:txBody>
+                  <a:tcPr/>
+                </a:tc>
+                <a:tc>
+                  <a:txBody>
+                    <a:bodyPr/>
+                    <a:lstStyle/>
+                    <a:p>
+                      <a:endParaRPr lang="en-US" dirty="0"/>
+                    </a:p>
+                  </a:txBody>
+                  <a:tcPr/>
+                </a:tc>
+                <a:extLst>
+                  <a:ext uri="{0D108BD9-81ED-4DB2-BD59-A6C34878D82A}">
+                    <a16:rowId xmlns:a16="http://schemas.microsoft.com/office/drawing/2014/main" val="2596422551"/>
+                  </a:ext>
+                </a:extLst>
+              </a:tr>
+              <a:tr h="337526">
+                <a:tc>
+                  <a:txBody>
+                    <a:bodyPr/>
+                    <a:lstStyle/>
+                    <a:p>
+                      <a:endParaRPr lang="en-US"/>
+                    </a:p>
+                  </a:txBody>
+                  <a:tcPr/>
+                </a:tc>
+                <a:tc>
+                  <a:txBody>
+                    <a:bodyPr/>
+                    <a:lstStyle/>
+                    <a:p>
+                      <a:endParaRPr lang="en-US"/>
+                    </a:p>
+                  </a:txBody>
+                  <a:tcPr/>
+                </a:tc>
+                <a:tc>
+                  <a:txBody>
+                    <a:bodyPr/>
+                    <a:lstStyle/>
+                    <a:p>
+                      <a:endParaRPr lang="en-US"/>
+                    </a:p>
+                  </a:txBody>
+                  <a:tcPr/>
+                </a:tc>
+                <a:tc>
+                  <a:txBody>
+                    <a:bodyPr/>
+                    <a:lstStyle/>
+                    <a:p>
+                      <a:endParaRPr lang="en-US"/>
+                    </a:p>
+                  </a:txBody>
+                  <a:tcPr/>
+                </a:tc>
+                <a:tc>
+                  <a:txBody>
+                    <a:bodyPr/>
+                    <a:lstStyle/>
+                    <a:p>
+                      <a:endParaRPr lang="en-US" dirty="0"/>
+                    </a:p>
+                  </a:txBody>
+                  <a:tcPr/>
+                </a:tc>
+                <a:tc>
+                  <a:txBody>
+                    <a:bodyPr/>
+                    <a:lstStyle/>
+                    <a:p>
+                      <a:endParaRPr lang="en-US"/>
+                    </a:p>
+                  </a:txBody>
+                  <a:tcPr/>
+                </a:tc>
+                <a:tc>
+                  <a:txBody>
+                    <a:bodyPr/>
+                    <a:lstStyle/>
+                    <a:p>
+                      <a:endParaRPr lang="en-US"/>
+                    </a:p>
+                  </a:txBody>
+                  <a:tcPr/>
+                </a:tc>
+                <a:tc>
+                  <a:txBody>
+                    <a:bodyPr/>
+                    <a:lstStyle/>
+                    <a:p>
+                      <a:endParaRPr lang="en-US"/>
+                    </a:p>
+                  </a:txBody>
+                  <a:tcPr/>
+                </a:tc>
+                <a:tc>
+                  <a:txBody>
+                    <a:bodyPr/>
+                    <a:lstStyle/>
+                    <a:p>
+                      <a:endParaRPr lang="en-US"/>
+                    </a:p>
+                  </a:txBody>
+                  <a:tcPr/>
+                </a:tc>
+                <a:tc>
+                  <a:txBody>
+                    <a:bodyPr/>
+                    <a:lstStyle/>
+                    <a:p>
+                      <a:endParaRPr lang="en-US"/>
+                    </a:p>
+                  </a:txBody>
+                  <a:tcPr/>
+                </a:tc>
+                <a:extLst>
+                  <a:ext uri="{0D108BD9-81ED-4DB2-BD59-A6C34878D82A}">
+                    <a16:rowId xmlns:a16="http://schemas.microsoft.com/office/drawing/2014/main" val="3297154272"/>
+                  </a:ext>
+                </a:extLst>
+              </a:tr>
+              <a:tr h="337526">
+                <a:tc>
+                  <a:txBody>
+                    <a:bodyPr/>
+                    <a:lstStyle/>
+                    <a:p>
+                      <a:endParaRPr lang="en-US"/>
+                    </a:p>
+                  </a:txBody>
+                  <a:tcPr/>
+                </a:tc>
+                <a:tc>
+                  <a:txBody>
+                    <a:bodyPr/>
+                    <a:lstStyle/>
+                    <a:p>
+                      <a:endParaRPr lang="en-US"/>
+                    </a:p>
+                  </a:txBody>
+                  <a:tcPr/>
+                </a:tc>
+                <a:tc>
+                  <a:txBody>
+                    <a:bodyPr/>
+                    <a:lstStyle/>
+                    <a:p>
+                      <a:endParaRPr lang="en-US"/>
+                    </a:p>
+                  </a:txBody>
+                  <a:tcPr/>
+                </a:tc>
+                <a:tc>
+                  <a:txBody>
+                    <a:bodyPr/>
+                    <a:lstStyle/>
+                    <a:p>
+                      <a:endParaRPr lang="en-US"/>
+                    </a:p>
+                  </a:txBody>
+                  <a:tcPr/>
+                </a:tc>
+                <a:tc>
+                  <a:txBody>
+                    <a:bodyPr/>
+                    <a:lstStyle/>
+                    <a:p>
+                      <a:endParaRPr lang="en-US"/>
+                    </a:p>
+                  </a:txBody>
+                  <a:tcPr/>
+                </a:tc>
+                <a:tc>
+                  <a:txBody>
+                    <a:bodyPr/>
+                    <a:lstStyle/>
+                    <a:p>
+                      <a:endParaRPr lang="en-US"/>
+                    </a:p>
+                  </a:txBody>
+                  <a:tcPr/>
+                </a:tc>
+                <a:tc>
+                  <a:txBody>
+                    <a:bodyPr/>
+                    <a:lstStyle/>
+                    <a:p>
+                      <a:endParaRPr lang="en-US"/>
+                    </a:p>
+                  </a:txBody>
+                  <a:tcPr/>
+                </a:tc>
+                <a:tc>
+                  <a:txBody>
+                    <a:bodyPr/>
+                    <a:lstStyle/>
+                    <a:p>
+                      <a:endParaRPr lang="en-US"/>
+                    </a:p>
+                  </a:txBody>
+                  <a:tcPr/>
+                </a:tc>
+                <a:tc>
+                  <a:txBody>
+                    <a:bodyPr/>
+                    <a:lstStyle/>
+                    <a:p>
+                      <a:endParaRPr lang="en-US"/>
+                    </a:p>
+                  </a:txBody>
+                  <a:tcPr/>
+                </a:tc>
+                <a:tc>
+                  <a:txBody>
+                    <a:bodyPr/>
+                    <a:lstStyle/>
+                    <a:p>
+                      <a:endParaRPr lang="en-US"/>
+                    </a:p>
+                  </a:txBody>
+                  <a:tcPr/>
+                </a:tc>
+                <a:extLst>
+                  <a:ext uri="{0D108BD9-81ED-4DB2-BD59-A6C34878D82A}">
+                    <a16:rowId xmlns:a16="http://schemas.microsoft.com/office/drawing/2014/main" val="2779333438"/>
+                  </a:ext>
+                </a:extLst>
+              </a:tr>
+              <a:tr h="337526">
+                <a:tc>
+                  <a:txBody>
+                    <a:bodyPr/>
+                    <a:lstStyle/>
+                    <a:p>
+                      <a:endParaRPr lang="en-US"/>
+                    </a:p>
+                  </a:txBody>
+                  <a:tcPr/>
+                </a:tc>
+                <a:tc>
+                  <a:txBody>
+                    <a:bodyPr/>
+                    <a:lstStyle/>
+                    <a:p>
+                      <a:endParaRPr lang="en-US"/>
+                    </a:p>
+                  </a:txBody>
+                  <a:tcPr/>
+                </a:tc>
+                <a:tc>
+                  <a:txBody>
+                    <a:bodyPr/>
+                    <a:lstStyle/>
+                    <a:p>
+                      <a:endParaRPr lang="en-US"/>
+                    </a:p>
+                  </a:txBody>
+                  <a:tcPr/>
+                </a:tc>
+                <a:tc>
+                  <a:txBody>
+                    <a:bodyPr/>
+                    <a:lstStyle/>
+                    <a:p>
+                      <a:endParaRPr lang="en-US"/>
+                    </a:p>
+                  </a:txBody>
+                  <a:tcPr/>
+                </a:tc>
+                <a:tc>
+                  <a:txBody>
+                    <a:bodyPr/>
+                    <a:lstStyle/>
+                    <a:p>
+                      <a:endParaRPr lang="en-US"/>
+                    </a:p>
+                  </a:txBody>
+                  <a:tcPr/>
+                </a:tc>
+                <a:tc>
+                  <a:txBody>
+                    <a:bodyPr/>
+                    <a:lstStyle/>
+                    <a:p>
+                      <a:endParaRPr lang="en-US"/>
+                    </a:p>
+                  </a:txBody>
+                  <a:tcPr/>
+                </a:tc>
+                <a:tc>
+                  <a:txBody>
+                    <a:bodyPr/>
+                    <a:lstStyle/>
+                    <a:p>
+                      <a:endParaRPr lang="en-US"/>
+                    </a:p>
+                  </a:txBody>
+                  <a:tcPr/>
+                </a:tc>
+                <a:tc>
+                  <a:txBody>
+                    <a:bodyPr/>
+                    <a:lstStyle/>
+                    <a:p>
+                      <a:endParaRPr lang="en-US"/>
+                    </a:p>
+                  </a:txBody>
+                  <a:tcPr/>
+                </a:tc>
+                <a:tc>
+                  <a:txBody>
+                    <a:bodyPr/>
+                    <a:lstStyle/>
+                    <a:p>
+                      <a:endParaRPr lang="en-US"/>
+                    </a:p>
+                  </a:txBody>
+                  <a:tcPr/>
+                </a:tc>
+                <a:tc>
+                  <a:txBody>
+                    <a:bodyPr/>
+                    <a:lstStyle/>
+                    <a:p>
+                      <a:endParaRPr lang="en-US" dirty="0"/>
+                    </a:p>
+                  </a:txBody>
+                  <a:tcPr/>
+                </a:tc>
+                <a:extLst>
+                  <a:ext uri="{0D108BD9-81ED-4DB2-BD59-A6C34878D82A}">
+                    <a16:rowId xmlns:a16="http://schemas.microsoft.com/office/drawing/2014/main" val="4060312509"/>
+                  </a:ext>
+                </a:extLst>
+              </a:tr>
+              <a:tr h="337526">
+                <a:tc>
+                  <a:txBody>
+                    <a:bodyPr/>
+                    <a:lstStyle/>
+                    <a:p>
+                      <a:endParaRPr lang="en-US"/>
+                    </a:p>
+                  </a:txBody>
+                  <a:tcPr/>
+                </a:tc>
+                <a:tc>
+                  <a:txBody>
+                    <a:bodyPr/>
+                    <a:lstStyle/>
+                    <a:p>
+                      <a:endParaRPr lang="en-US"/>
+                    </a:p>
+                  </a:txBody>
+                  <a:tcPr/>
+                </a:tc>
+                <a:tc>
+                  <a:txBody>
+                    <a:bodyPr/>
+                    <a:lstStyle/>
+                    <a:p>
+                      <a:endParaRPr lang="en-US"/>
+                    </a:p>
+                  </a:txBody>
+                  <a:tcPr/>
+                </a:tc>
+                <a:tc>
+                  <a:txBody>
+                    <a:bodyPr/>
+                    <a:lstStyle/>
+                    <a:p>
+                      <a:endParaRPr lang="en-US"/>
+                    </a:p>
+                  </a:txBody>
+                  <a:tcPr/>
+                </a:tc>
+                <a:tc>
+                  <a:txBody>
+                    <a:bodyPr/>
+                    <a:lstStyle/>
+                    <a:p>
+                      <a:endParaRPr lang="en-US"/>
+                    </a:p>
+                  </a:txBody>
+                  <a:tcPr/>
+                </a:tc>
+                <a:tc>
+                  <a:txBody>
+                    <a:bodyPr/>
+                    <a:lstStyle/>
+                    <a:p>
+                      <a:endParaRPr lang="en-US"/>
+                    </a:p>
+                  </a:txBody>
+                  <a:tcPr/>
+                </a:tc>
+                <a:tc>
+                  <a:txBody>
+                    <a:bodyPr/>
+                    <a:lstStyle/>
+                    <a:p>
+                      <a:endParaRPr lang="en-US"/>
+                    </a:p>
+                  </a:txBody>
+                  <a:tcPr/>
+                </a:tc>
+                <a:tc>
+                  <a:txBody>
+                    <a:bodyPr/>
+                    <a:lstStyle/>
+                    <a:p>
+                      <a:endParaRPr lang="en-US"/>
+                    </a:p>
+                  </a:txBody>
+                  <a:tcPr/>
+                </a:tc>
+                <a:tc>
+                  <a:txBody>
+                    <a:bodyPr/>
+                    <a:lstStyle/>
+                    <a:p>
+                      <a:endParaRPr lang="en-US"/>
+                    </a:p>
+                  </a:txBody>
+                  <a:tcPr/>
+                </a:tc>
+                <a:tc>
+                  <a:txBody>
+                    <a:bodyPr/>
+                    <a:lstStyle/>
+                    <a:p>
+                      <a:endParaRPr lang="en-US" dirty="0"/>
+                    </a:p>
+                  </a:txBody>
+                  <a:tcPr/>
+                </a:tc>
+                <a:extLst>
+                  <a:ext uri="{0D108BD9-81ED-4DB2-BD59-A6C34878D82A}">
+                    <a16:rowId xmlns:a16="http://schemas.microsoft.com/office/drawing/2014/main" val="1542537116"/>
+                  </a:ext>
+                </a:extLst>
+              </a:tr>
+              <a:tr h="337526">
+                <a:tc>
+                  <a:txBody>
+                    <a:bodyPr/>
+                    <a:lstStyle/>
+                    <a:p>
+                      <a:endParaRPr lang="en-US"/>
+                    </a:p>
+                  </a:txBody>
+                  <a:tcPr/>
+                </a:tc>
+                <a:tc>
+                  <a:txBody>
+                    <a:bodyPr/>
+                    <a:lstStyle/>
+                    <a:p>
+                      <a:endParaRPr lang="en-US"/>
+                    </a:p>
+                  </a:txBody>
+                  <a:tcPr/>
+                </a:tc>
+                <a:tc>
+                  <a:txBody>
+                    <a:bodyPr/>
+                    <a:lstStyle/>
+                    <a:p>
+                      <a:endParaRPr lang="en-US"/>
+                    </a:p>
+                  </a:txBody>
+                  <a:tcPr/>
+                </a:tc>
+                <a:tc>
+                  <a:txBody>
+                    <a:bodyPr/>
+                    <a:lstStyle/>
+                    <a:p>
+                      <a:endParaRPr lang="en-US"/>
+                    </a:p>
+                  </a:txBody>
+                  <a:tcPr/>
+                </a:tc>
+                <a:tc>
+                  <a:txBody>
+                    <a:bodyPr/>
+                    <a:lstStyle/>
+                    <a:p>
+                      <a:endParaRPr lang="en-US"/>
+                    </a:p>
+                  </a:txBody>
+                  <a:tcPr/>
+                </a:tc>
+                <a:tc>
+                  <a:txBody>
+                    <a:bodyPr/>
+                    <a:lstStyle/>
+                    <a:p>
+                      <a:endParaRPr lang="en-US"/>
+                    </a:p>
+                  </a:txBody>
+                  <a:tcPr/>
+                </a:tc>
+                <a:tc>
+                  <a:txBody>
+                    <a:bodyPr/>
+                    <a:lstStyle/>
+                    <a:p>
+                      <a:endParaRPr lang="en-US"/>
+                    </a:p>
+                  </a:txBody>
+                  <a:tcPr/>
+                </a:tc>
+                <a:tc>
+                  <a:txBody>
+                    <a:bodyPr/>
+                    <a:lstStyle/>
+                    <a:p>
+                      <a:endParaRPr lang="en-US" dirty="0"/>
+                    </a:p>
+                  </a:txBody>
+                  <a:tcPr/>
+                </a:tc>
+                <a:tc>
+                  <a:txBody>
+                    <a:bodyPr/>
+                    <a:lstStyle/>
+                    <a:p>
+                      <a:endParaRPr lang="en-US"/>
+                    </a:p>
+                  </a:txBody>
+                  <a:tcPr/>
+                </a:tc>
+                <a:tc>
+                  <a:txBody>
+                    <a:bodyPr/>
+                    <a:lstStyle/>
+                    <a:p>
+                      <a:endParaRPr lang="en-US" dirty="0"/>
+                    </a:p>
+                  </a:txBody>
+                  <a:tcPr/>
+                </a:tc>
+                <a:extLst>
+                  <a:ext uri="{0D108BD9-81ED-4DB2-BD59-A6C34878D82A}">
+                    <a16:rowId xmlns:a16="http://schemas.microsoft.com/office/drawing/2014/main" val="2216618589"/>
+                  </a:ext>
+                </a:extLst>
+              </a:tr>
+            </a:tbl>
+          </a:graphicData>
+        </a:graphic>
+      </p:graphicFrame>
+      <p:pic>
+        <p:nvPicPr>
+          <p:cNvPr id="6" name="Graphic 5" descr="Walk">
+            <a:extLst>
+              <a:ext uri="{FF2B5EF4-FFF2-40B4-BE49-F238E27FC236}">
+                <a16:creationId xmlns:a16="http://schemas.microsoft.com/office/drawing/2014/main" id="{A912EF9D-6C6F-4703-A96D-305E3F91CF16}"/>
+              </a:ext>
+            </a:extLst>
+          </p:cNvPr>
+          <p:cNvPicPr>
+            <a:picLocks noChangeAspect="1"/>
+          </p:cNvPicPr>
+          <p:nvPr/>
+        </p:nvPicPr>
+        <p:blipFill>
+          <a:blip r:embed="rId2">
+            <a:extLst>
+              <a:ext uri="{28A0092B-C50C-407E-A947-70E740481C1C}">
+                <a14:useLocalDpi xmlns:a14="http://schemas.microsoft.com/office/drawing/2010/main" val="0"/>
+              </a:ext>
+              <a:ext uri="{96DAC541-7B7A-43D3-8B79-37D633B846F1}">
+                <asvg:svgBlip xmlns:asvg="http://schemas.microsoft.com/office/drawing/2016/SVG/main" r:embed="rId3"/>
+              </a:ext>
+            </a:extLst>
+          </a:blip>
+          <a:stretch>
+            <a:fillRect/>
+          </a:stretch>
+        </p:blipFill>
+        <p:spPr>
+          <a:xfrm>
+            <a:off x="1963615" y="1352549"/>
+            <a:ext cx="383931" cy="383931"/>
+          </a:xfrm>
+          <a:prstGeom prst="rect">
+            <a:avLst/>
+          </a:prstGeom>
+        </p:spPr>
+      </p:pic>
+      <p:pic>
+        <p:nvPicPr>
+          <p:cNvPr id="7" name="Graphic 6" descr="Car">
+            <a:extLst>
+              <a:ext uri="{FF2B5EF4-FFF2-40B4-BE49-F238E27FC236}">
+                <a16:creationId xmlns:a16="http://schemas.microsoft.com/office/drawing/2014/main" id="{2A321306-4221-47F1-A054-3D1F3C5055DB}"/>
+              </a:ext>
+            </a:extLst>
+          </p:cNvPr>
+          <p:cNvPicPr>
+            <a:picLocks noChangeAspect="1"/>
+          </p:cNvPicPr>
+          <p:nvPr/>
+        </p:nvPicPr>
+        <p:blipFill>
+          <a:blip r:embed="rId4">
+            <a:extLst>
+              <a:ext uri="{28A0092B-C50C-407E-A947-70E740481C1C}">
+                <a14:useLocalDpi xmlns:a14="http://schemas.microsoft.com/office/drawing/2010/main" val="0"/>
+              </a:ext>
+              <a:ext uri="{96DAC541-7B7A-43D3-8B79-37D633B846F1}">
+                <asvg:svgBlip xmlns:asvg="http://schemas.microsoft.com/office/drawing/2016/SVG/main" r:embed="rId5"/>
+              </a:ext>
+            </a:extLst>
+          </a:blip>
+          <a:stretch>
+            <a:fillRect/>
+          </a:stretch>
+        </p:blipFill>
+        <p:spPr>
+          <a:xfrm rot="16200000">
+            <a:off x="2986986" y="3288633"/>
+            <a:ext cx="766881" cy="766881"/>
+          </a:xfrm>
+          <a:prstGeom prst="rect">
+            <a:avLst/>
+          </a:prstGeom>
+        </p:spPr>
+      </p:pic>
+      <p:pic>
+        <p:nvPicPr>
+          <p:cNvPr id="8" name="Graphic 7" descr="Truck">
+            <a:extLst>
+              <a:ext uri="{FF2B5EF4-FFF2-40B4-BE49-F238E27FC236}">
+                <a16:creationId xmlns:a16="http://schemas.microsoft.com/office/drawing/2014/main" id="{C8C2DD0E-6C91-4AFC-A805-DB5AB189C95E}"/>
+              </a:ext>
+            </a:extLst>
+          </p:cNvPr>
+          <p:cNvPicPr>
+            <a:picLocks noChangeAspect="1"/>
+          </p:cNvPicPr>
+          <p:nvPr/>
+        </p:nvPicPr>
+        <p:blipFill>
+          <a:blip r:embed="rId6">
+            <a:extLst>
+              <a:ext uri="{28A0092B-C50C-407E-A947-70E740481C1C}">
+                <a14:useLocalDpi xmlns:a14="http://schemas.microsoft.com/office/drawing/2010/main" val="0"/>
+              </a:ext>
+              <a:ext uri="{96DAC541-7B7A-43D3-8B79-37D633B846F1}">
+                <asvg:svgBlip xmlns:asvg="http://schemas.microsoft.com/office/drawing/2016/SVG/main" r:embed="rId7"/>
+              </a:ext>
+            </a:extLst>
+          </a:blip>
+          <a:stretch>
+            <a:fillRect/>
+          </a:stretch>
+        </p:blipFill>
+        <p:spPr>
+          <a:xfrm rot="16200000">
+            <a:off x="2232392" y="1776046"/>
+            <a:ext cx="914400" cy="914400"/>
+          </a:xfrm>
+          <a:prstGeom prst="rect">
+            <a:avLst/>
+          </a:prstGeom>
+        </p:spPr>
+      </p:pic>
+      <p:graphicFrame>
+        <p:nvGraphicFramePr>
+          <p:cNvPr id="9" name="Table 8">
+            <a:extLst>
+              <a:ext uri="{FF2B5EF4-FFF2-40B4-BE49-F238E27FC236}">
+                <a16:creationId xmlns:a16="http://schemas.microsoft.com/office/drawing/2014/main" id="{CC7E608C-160A-4B87-850C-761F2055362A}"/>
+              </a:ext>
+            </a:extLst>
+          </p:cNvPr>
+          <p:cNvGraphicFramePr>
+            <a:graphicFrameLocks noGrp="1"/>
+          </p:cNvGraphicFramePr>
+          <p:nvPr>
+            <p:extLst>
+              <p:ext uri="{D42A27DB-BD31-4B8C-83A1-F6EECF244321}">
+                <p14:modId xmlns:p14="http://schemas.microsoft.com/office/powerpoint/2010/main" val="1712752888"/>
+              </p:ext>
+            </p:extLst>
+          </p:nvPr>
+        </p:nvGraphicFramePr>
+        <p:xfrm>
+          <a:off x="6919059" y="1695000"/>
+          <a:ext cx="3573669" cy="3657600"/>
+        </p:xfrm>
+        <a:graphic>
+          <a:graphicData uri="http://schemas.openxmlformats.org/drawingml/2006/table">
+            <a:tbl>
+              <a:tblPr firstRow="1" bandRow="1">
+                <a:tableStyleId>{5C22544A-7EE6-4342-B048-85BDC9FD1C3A}</a:tableStyleId>
+              </a:tblPr>
+              <a:tblGrid>
+                <a:gridCol w="358340">
+                  <a:extLst>
+                    <a:ext uri="{9D8B030D-6E8A-4147-A177-3AD203B41FA5}">
+                      <a16:colId xmlns:a16="http://schemas.microsoft.com/office/drawing/2014/main" val="1477955814"/>
+                    </a:ext>
+                  </a:extLst>
+                </a:gridCol>
+                <a:gridCol w="358340">
+                  <a:extLst>
+                    <a:ext uri="{9D8B030D-6E8A-4147-A177-3AD203B41FA5}">
+                      <a16:colId xmlns:a16="http://schemas.microsoft.com/office/drawing/2014/main" val="1696882852"/>
+                    </a:ext>
+                  </a:extLst>
+                </a:gridCol>
+                <a:gridCol w="358340">
+                  <a:extLst>
+                    <a:ext uri="{9D8B030D-6E8A-4147-A177-3AD203B41FA5}">
+                      <a16:colId xmlns:a16="http://schemas.microsoft.com/office/drawing/2014/main" val="2846937068"/>
+                    </a:ext>
+                  </a:extLst>
+                </a:gridCol>
+                <a:gridCol w="358340">
+                  <a:extLst>
+                    <a:ext uri="{9D8B030D-6E8A-4147-A177-3AD203B41FA5}">
+                      <a16:colId xmlns:a16="http://schemas.microsoft.com/office/drawing/2014/main" val="3825034378"/>
+                    </a:ext>
+                  </a:extLst>
+                </a:gridCol>
+                <a:gridCol w="358340">
+                  <a:extLst>
+                    <a:ext uri="{9D8B030D-6E8A-4147-A177-3AD203B41FA5}">
+                      <a16:colId xmlns:a16="http://schemas.microsoft.com/office/drawing/2014/main" val="455546843"/>
+                    </a:ext>
+                  </a:extLst>
+                </a:gridCol>
+                <a:gridCol w="358340">
+                  <a:extLst>
+                    <a:ext uri="{9D8B030D-6E8A-4147-A177-3AD203B41FA5}">
+                      <a16:colId xmlns:a16="http://schemas.microsoft.com/office/drawing/2014/main" val="2298935477"/>
+                    </a:ext>
+                  </a:extLst>
+                </a:gridCol>
+                <a:gridCol w="358340">
+                  <a:extLst>
+                    <a:ext uri="{9D8B030D-6E8A-4147-A177-3AD203B41FA5}">
+                      <a16:colId xmlns:a16="http://schemas.microsoft.com/office/drawing/2014/main" val="2817856500"/>
+                    </a:ext>
+                  </a:extLst>
+                </a:gridCol>
+                <a:gridCol w="358340">
+                  <a:extLst>
+                    <a:ext uri="{9D8B030D-6E8A-4147-A177-3AD203B41FA5}">
+                      <a16:colId xmlns:a16="http://schemas.microsoft.com/office/drawing/2014/main" val="3729160014"/>
+                    </a:ext>
+                  </a:extLst>
+                </a:gridCol>
+                <a:gridCol w="358340">
+                  <a:extLst>
+                    <a:ext uri="{9D8B030D-6E8A-4147-A177-3AD203B41FA5}">
+                      <a16:colId xmlns:a16="http://schemas.microsoft.com/office/drawing/2014/main" val="2305666999"/>
+                    </a:ext>
+                  </a:extLst>
+                </a:gridCol>
+                <a:gridCol w="348609">
+                  <a:extLst>
+                    <a:ext uri="{9D8B030D-6E8A-4147-A177-3AD203B41FA5}">
+                      <a16:colId xmlns:a16="http://schemas.microsoft.com/office/drawing/2014/main" val="3579755411"/>
+                    </a:ext>
+                  </a:extLst>
+                </a:gridCol>
+              </a:tblGrid>
+              <a:tr h="337526">
+                <a:tc>
+                  <a:txBody>
+                    <a:bodyPr/>
+                    <a:lstStyle/>
+                    <a:p>
+                      <a:r>
+                        <a:rPr lang="en-US" dirty="0"/>
+                        <a:t>0</a:t>
+                      </a:r>
+                    </a:p>
+                  </a:txBody>
+                  <a:tcPr/>
+                </a:tc>
+                <a:tc>
+                  <a:txBody>
+                    <a:bodyPr/>
+                    <a:lstStyle/>
+                    <a:p>
+                      <a:r>
+                        <a:rPr lang="en-US" dirty="0"/>
+                        <a:t>0</a:t>
+                      </a:r>
+                    </a:p>
+                  </a:txBody>
+                  <a:tcPr/>
+                </a:tc>
+                <a:tc>
+                  <a:txBody>
+                    <a:bodyPr/>
+                    <a:lstStyle/>
+                    <a:p>
+                      <a:endParaRPr lang="en-US"/>
+                    </a:p>
+                  </a:txBody>
+                  <a:tcPr/>
+                </a:tc>
+                <a:tc>
+                  <a:txBody>
+                    <a:bodyPr/>
+                    <a:lstStyle/>
+                    <a:p>
+                      <a:endParaRPr lang="en-US"/>
+                    </a:p>
+                  </a:txBody>
+                  <a:tcPr/>
+                </a:tc>
+                <a:tc>
+                  <a:txBody>
+                    <a:bodyPr/>
+                    <a:lstStyle/>
+                    <a:p>
+                      <a:endParaRPr lang="en-US" dirty="0"/>
+                    </a:p>
+                  </a:txBody>
+                  <a:tcPr/>
+                </a:tc>
+                <a:tc>
+                  <a:txBody>
+                    <a:bodyPr/>
+                    <a:lstStyle/>
+                    <a:p>
+                      <a:r>
+                        <a:rPr lang="en-US" dirty="0"/>
+                        <a:t>0</a:t>
+                      </a:r>
+                    </a:p>
+                  </a:txBody>
+                  <a:tcPr/>
+                </a:tc>
+                <a:tc>
+                  <a:txBody>
+                    <a:bodyPr/>
+                    <a:lstStyle/>
+                    <a:p>
+                      <a:r>
+                        <a:rPr lang="en-US" dirty="0"/>
+                        <a:t>0</a:t>
+                      </a:r>
+                    </a:p>
+                  </a:txBody>
+                  <a:tcPr/>
+                </a:tc>
+                <a:tc>
+                  <a:txBody>
+                    <a:bodyPr/>
+                    <a:lstStyle/>
+                    <a:p>
+                      <a:r>
+                        <a:rPr lang="en-US" dirty="0"/>
+                        <a:t>0</a:t>
+                      </a:r>
+                    </a:p>
+                  </a:txBody>
+                  <a:tcPr/>
+                </a:tc>
+                <a:tc>
+                  <a:txBody>
+                    <a:bodyPr/>
+                    <a:lstStyle/>
+                    <a:p>
+                      <a:endParaRPr lang="en-US"/>
+                    </a:p>
+                  </a:txBody>
+                  <a:tcPr/>
+                </a:tc>
+                <a:tc>
+                  <a:txBody>
+                    <a:bodyPr/>
+                    <a:lstStyle/>
+                    <a:p>
+                      <a:endParaRPr lang="en-US"/>
+                    </a:p>
+                  </a:txBody>
+                  <a:tcPr/>
+                </a:tc>
+                <a:extLst>
+                  <a:ext uri="{0D108BD9-81ED-4DB2-BD59-A6C34878D82A}">
+                    <a16:rowId xmlns:a16="http://schemas.microsoft.com/office/drawing/2014/main" val="414029089"/>
+                  </a:ext>
+                </a:extLst>
+              </a:tr>
+              <a:tr h="337526">
+                <a:tc>
+                  <a:txBody>
+                    <a:bodyPr/>
+                    <a:lstStyle/>
+                    <a:p>
+                      <a:endParaRPr lang="en-US"/>
+                    </a:p>
+                  </a:txBody>
+                  <a:tcPr/>
+                </a:tc>
+                <a:tc>
+                  <a:txBody>
+                    <a:bodyPr/>
+                    <a:lstStyle/>
+                    <a:p>
+                      <a:endParaRPr lang="en-US"/>
+                    </a:p>
+                  </a:txBody>
+                  <a:tcPr/>
+                </a:tc>
+                <a:tc>
+                  <a:txBody>
+                    <a:bodyPr/>
+                    <a:lstStyle/>
+                    <a:p>
+                      <a:endParaRPr lang="en-US"/>
+                    </a:p>
+                  </a:txBody>
+                  <a:tcPr/>
+                </a:tc>
+                <a:tc>
+                  <a:txBody>
+                    <a:bodyPr/>
+                    <a:lstStyle/>
+                    <a:p>
+                      <a:endParaRPr lang="en-US"/>
+                    </a:p>
+                  </a:txBody>
+                  <a:tcPr/>
+                </a:tc>
+                <a:tc>
+                  <a:txBody>
+                    <a:bodyPr/>
+                    <a:lstStyle/>
+                    <a:p>
+                      <a:endParaRPr lang="en-US"/>
+                    </a:p>
+                  </a:txBody>
+                  <a:tcPr/>
+                </a:tc>
+                <a:tc>
+                  <a:txBody>
+                    <a:bodyPr/>
+                    <a:lstStyle/>
+                    <a:p>
+                      <a:endParaRPr lang="en-US"/>
+                    </a:p>
+                  </a:txBody>
+                  <a:tcPr/>
+                </a:tc>
+                <a:tc>
+                  <a:txBody>
+                    <a:bodyPr/>
+                    <a:lstStyle/>
+                    <a:p>
+                      <a:endParaRPr lang="en-US"/>
+                    </a:p>
+                  </a:txBody>
+                  <a:tcPr/>
+                </a:tc>
+                <a:tc>
+                  <a:txBody>
+                    <a:bodyPr/>
+                    <a:lstStyle/>
+                    <a:p>
+                      <a:endParaRPr lang="en-US" dirty="0"/>
+                    </a:p>
+                  </a:txBody>
+                  <a:tcPr/>
+                </a:tc>
+                <a:tc>
+                  <a:txBody>
+                    <a:bodyPr/>
+                    <a:lstStyle/>
+                    <a:p>
+                      <a:endParaRPr lang="en-US"/>
+                    </a:p>
+                  </a:txBody>
+                  <a:tcPr/>
+                </a:tc>
+                <a:tc>
+                  <a:txBody>
+                    <a:bodyPr/>
+                    <a:lstStyle/>
+                    <a:p>
+                      <a:endParaRPr lang="en-US"/>
+                    </a:p>
+                  </a:txBody>
+                  <a:tcPr/>
+                </a:tc>
+                <a:extLst>
+                  <a:ext uri="{0D108BD9-81ED-4DB2-BD59-A6C34878D82A}">
+                    <a16:rowId xmlns:a16="http://schemas.microsoft.com/office/drawing/2014/main" val="619398999"/>
+                  </a:ext>
+                </a:extLst>
+              </a:tr>
+              <a:tr h="337526">
+                <a:tc>
+                  <a:txBody>
+                    <a:bodyPr/>
+                    <a:lstStyle/>
+                    <a:p>
+                      <a:endParaRPr lang="en-US"/>
+                    </a:p>
+                  </a:txBody>
+                  <a:tcPr/>
+                </a:tc>
+                <a:tc>
+                  <a:txBody>
+                    <a:bodyPr/>
+                    <a:lstStyle/>
+                    <a:p>
+                      <a:endParaRPr lang="en-US"/>
+                    </a:p>
+                  </a:txBody>
+                  <a:tcPr/>
+                </a:tc>
+                <a:tc>
+                  <a:txBody>
+                    <a:bodyPr/>
+                    <a:lstStyle/>
+                    <a:p>
+                      <a:endParaRPr lang="en-US"/>
+                    </a:p>
+                  </a:txBody>
+                  <a:tcPr/>
+                </a:tc>
+                <a:tc>
+                  <a:txBody>
+                    <a:bodyPr/>
+                    <a:lstStyle/>
+                    <a:p>
+                      <a:endParaRPr lang="en-US"/>
+                    </a:p>
+                  </a:txBody>
+                  <a:tcPr/>
+                </a:tc>
+                <a:tc>
+                  <a:txBody>
+                    <a:bodyPr/>
+                    <a:lstStyle/>
+                    <a:p>
+                      <a:endParaRPr lang="en-US"/>
+                    </a:p>
+                  </a:txBody>
+                  <a:tcPr/>
+                </a:tc>
+                <a:tc>
+                  <a:txBody>
+                    <a:bodyPr/>
+                    <a:lstStyle/>
+                    <a:p>
+                      <a:endParaRPr lang="en-US"/>
+                    </a:p>
+                  </a:txBody>
+                  <a:tcPr/>
+                </a:tc>
+                <a:tc>
+                  <a:txBody>
+                    <a:bodyPr/>
+                    <a:lstStyle/>
+                    <a:p>
+                      <a:endParaRPr lang="en-US"/>
+                    </a:p>
+                  </a:txBody>
+                  <a:tcPr/>
+                </a:tc>
+                <a:tc>
+                  <a:txBody>
+                    <a:bodyPr/>
+                    <a:lstStyle/>
+                    <a:p>
+                      <a:endParaRPr lang="en-US"/>
+                    </a:p>
+                  </a:txBody>
+                  <a:tcPr/>
+                </a:tc>
+                <a:tc>
+                  <a:txBody>
+                    <a:bodyPr/>
+                    <a:lstStyle/>
+                    <a:p>
+                      <a:endParaRPr lang="en-US"/>
+                    </a:p>
+                  </a:txBody>
+                  <a:tcPr/>
+                </a:tc>
+                <a:tc>
+                  <a:txBody>
+                    <a:bodyPr/>
+                    <a:lstStyle/>
+                    <a:p>
+                      <a:endParaRPr lang="en-US"/>
+                    </a:p>
+                  </a:txBody>
+                  <a:tcPr/>
+                </a:tc>
+                <a:extLst>
+                  <a:ext uri="{0D108BD9-81ED-4DB2-BD59-A6C34878D82A}">
+                    <a16:rowId xmlns:a16="http://schemas.microsoft.com/office/drawing/2014/main" val="2137866702"/>
+                  </a:ext>
+                </a:extLst>
+              </a:tr>
+              <a:tr h="337526">
+                <a:tc>
+                  <a:txBody>
+                    <a:bodyPr/>
+                    <a:lstStyle/>
+                    <a:p>
+                      <a:endParaRPr lang="en-US"/>
+                    </a:p>
+                  </a:txBody>
+                  <a:tcPr/>
+                </a:tc>
+                <a:tc>
+                  <a:txBody>
+                    <a:bodyPr/>
+                    <a:lstStyle/>
+                    <a:p>
+                      <a:endParaRPr lang="en-US"/>
+                    </a:p>
+                  </a:txBody>
+                  <a:tcPr/>
+                </a:tc>
+                <a:tc>
+                  <a:txBody>
+                    <a:bodyPr/>
+                    <a:lstStyle/>
+                    <a:p>
+                      <a:r>
+                        <a:rPr lang="en-US" dirty="0"/>
+                        <a:t>1</a:t>
+                      </a:r>
+                    </a:p>
+                  </a:txBody>
+                  <a:tcPr/>
+                </a:tc>
+                <a:tc>
+                  <a:txBody>
+                    <a:bodyPr/>
+                    <a:lstStyle/>
+                    <a:p>
+                      <a:r>
+                        <a:rPr lang="en-US" dirty="0"/>
+                        <a:t>1</a:t>
+                      </a:r>
+                    </a:p>
+                  </a:txBody>
+                  <a:tcPr/>
+                </a:tc>
+                <a:tc>
+                  <a:txBody>
+                    <a:bodyPr/>
+                    <a:lstStyle/>
+                    <a:p>
+                      <a:endParaRPr lang="en-US"/>
+                    </a:p>
+                  </a:txBody>
+                  <a:tcPr/>
+                </a:tc>
+                <a:tc>
+                  <a:txBody>
+                    <a:bodyPr/>
+                    <a:lstStyle/>
+                    <a:p>
+                      <a:endParaRPr lang="en-US"/>
+                    </a:p>
+                  </a:txBody>
+                  <a:tcPr/>
+                </a:tc>
+                <a:tc>
+                  <a:txBody>
+                    <a:bodyPr/>
+                    <a:lstStyle/>
+                    <a:p>
+                      <a:endParaRPr lang="en-US"/>
+                    </a:p>
+                  </a:txBody>
+                  <a:tcPr/>
+                </a:tc>
+                <a:tc>
+                  <a:txBody>
+                    <a:bodyPr/>
+                    <a:lstStyle/>
+                    <a:p>
+                      <a:endParaRPr lang="en-US"/>
+                    </a:p>
+                  </a:txBody>
+                  <a:tcPr/>
+                </a:tc>
+                <a:tc>
+                  <a:txBody>
+                    <a:bodyPr/>
+                    <a:lstStyle/>
+                    <a:p>
+                      <a:endParaRPr lang="en-US"/>
+                    </a:p>
+                  </a:txBody>
+                  <a:tcPr/>
+                </a:tc>
+                <a:tc>
+                  <a:txBody>
+                    <a:bodyPr/>
+                    <a:lstStyle/>
+                    <a:p>
+                      <a:endParaRPr lang="en-US"/>
+                    </a:p>
+                  </a:txBody>
+                  <a:tcPr/>
+                </a:tc>
+                <a:extLst>
+                  <a:ext uri="{0D108BD9-81ED-4DB2-BD59-A6C34878D82A}">
+                    <a16:rowId xmlns:a16="http://schemas.microsoft.com/office/drawing/2014/main" val="2772994655"/>
+                  </a:ext>
+                </a:extLst>
+              </a:tr>
+              <a:tr h="337526">
+                <a:tc>
+                  <a:txBody>
+                    <a:bodyPr/>
+                    <a:lstStyle/>
+                    <a:p>
+                      <a:endParaRPr lang="en-US"/>
+                    </a:p>
+                  </a:txBody>
+                  <a:tcPr/>
+                </a:tc>
+                <a:tc>
+                  <a:txBody>
+                    <a:bodyPr/>
+                    <a:lstStyle/>
+                    <a:p>
+                      <a:endParaRPr lang="en-US"/>
+                    </a:p>
+                  </a:txBody>
+                  <a:tcPr/>
+                </a:tc>
+                <a:tc>
+                  <a:txBody>
+                    <a:bodyPr/>
+                    <a:lstStyle/>
+                    <a:p>
+                      <a:r>
+                        <a:rPr lang="en-US" dirty="0"/>
+                        <a:t>1</a:t>
+                      </a:r>
+                    </a:p>
+                  </a:txBody>
+                  <a:tcPr/>
+                </a:tc>
+                <a:tc>
+                  <a:txBody>
+                    <a:bodyPr/>
+                    <a:lstStyle/>
+                    <a:p>
+                      <a:r>
+                        <a:rPr lang="en-US" dirty="0"/>
+                        <a:t>1</a:t>
+                      </a:r>
+                    </a:p>
+                  </a:txBody>
+                  <a:tcPr/>
+                </a:tc>
+                <a:tc>
+                  <a:txBody>
+                    <a:bodyPr/>
+                    <a:lstStyle/>
+                    <a:p>
+                      <a:endParaRPr lang="en-US"/>
+                    </a:p>
+                  </a:txBody>
+                  <a:tcPr/>
+                </a:tc>
+                <a:tc>
+                  <a:txBody>
+                    <a:bodyPr/>
+                    <a:lstStyle/>
+                    <a:p>
+                      <a:endParaRPr lang="en-US"/>
+                    </a:p>
+                  </a:txBody>
+                  <a:tcPr/>
+                </a:tc>
+                <a:tc>
+                  <a:txBody>
+                    <a:bodyPr/>
+                    <a:lstStyle/>
+                    <a:p>
+                      <a:endParaRPr lang="en-US"/>
+                    </a:p>
+                  </a:txBody>
+                  <a:tcPr/>
+                </a:tc>
+                <a:tc>
+                  <a:txBody>
+                    <a:bodyPr/>
+                    <a:lstStyle/>
+                    <a:p>
+                      <a:endParaRPr lang="en-US"/>
+                    </a:p>
+                  </a:txBody>
+                  <a:tcPr/>
+                </a:tc>
+                <a:tc>
+                  <a:txBody>
+                    <a:bodyPr/>
+                    <a:lstStyle/>
+                    <a:p>
+                      <a:endParaRPr lang="en-US"/>
+                    </a:p>
+                  </a:txBody>
+                  <a:tcPr/>
+                </a:tc>
+                <a:tc>
+                  <a:txBody>
+                    <a:bodyPr/>
+                    <a:lstStyle/>
+                    <a:p>
+                      <a:endParaRPr lang="en-US" dirty="0"/>
+                    </a:p>
+                  </a:txBody>
+                  <a:tcPr/>
+                </a:tc>
+                <a:extLst>
+                  <a:ext uri="{0D108BD9-81ED-4DB2-BD59-A6C34878D82A}">
+                    <a16:rowId xmlns:a16="http://schemas.microsoft.com/office/drawing/2014/main" val="2596422551"/>
+                  </a:ext>
+                </a:extLst>
+              </a:tr>
+              <a:tr h="337526">
+                <a:tc>
+                  <a:txBody>
+                    <a:bodyPr/>
+                    <a:lstStyle/>
+                    <a:p>
+                      <a:endParaRPr lang="en-US"/>
+                    </a:p>
+                  </a:txBody>
+                  <a:tcPr/>
+                </a:tc>
+                <a:tc>
+                  <a:txBody>
+                    <a:bodyPr/>
+                    <a:lstStyle/>
+                    <a:p>
+                      <a:endParaRPr lang="en-US"/>
+                    </a:p>
+                  </a:txBody>
+                  <a:tcPr/>
+                </a:tc>
+                <a:tc>
+                  <a:txBody>
+                    <a:bodyPr/>
+                    <a:lstStyle/>
+                    <a:p>
+                      <a:r>
+                        <a:rPr lang="en-US" dirty="0"/>
+                        <a:t>1</a:t>
+                      </a:r>
+                    </a:p>
+                  </a:txBody>
+                  <a:tcPr/>
+                </a:tc>
+                <a:tc>
+                  <a:txBody>
+                    <a:bodyPr/>
+                    <a:lstStyle/>
+                    <a:p>
+                      <a:r>
+                        <a:rPr lang="en-US" dirty="0"/>
+                        <a:t>1</a:t>
+                      </a:r>
+                    </a:p>
+                  </a:txBody>
+                  <a:tcPr/>
+                </a:tc>
+                <a:tc>
+                  <a:txBody>
+                    <a:bodyPr/>
+                    <a:lstStyle/>
+                    <a:p>
+                      <a:endParaRPr lang="en-US" dirty="0"/>
+                    </a:p>
+                  </a:txBody>
+                  <a:tcPr/>
+                </a:tc>
+                <a:tc>
+                  <a:txBody>
+                    <a:bodyPr/>
+                    <a:lstStyle/>
+                    <a:p>
+                      <a:endParaRPr lang="en-US"/>
+                    </a:p>
+                  </a:txBody>
+                  <a:tcPr/>
+                </a:tc>
+                <a:tc>
+                  <a:txBody>
+                    <a:bodyPr/>
+                    <a:lstStyle/>
+                    <a:p>
+                      <a:endParaRPr lang="en-US"/>
+                    </a:p>
+                  </a:txBody>
+                  <a:tcPr/>
+                </a:tc>
+                <a:tc>
+                  <a:txBody>
+                    <a:bodyPr/>
+                    <a:lstStyle/>
+                    <a:p>
+                      <a:endParaRPr lang="en-US"/>
+                    </a:p>
+                  </a:txBody>
+                  <a:tcPr/>
+                </a:tc>
+                <a:tc>
+                  <a:txBody>
+                    <a:bodyPr/>
+                    <a:lstStyle/>
+                    <a:p>
+                      <a:endParaRPr lang="en-US"/>
+                    </a:p>
+                  </a:txBody>
+                  <a:tcPr/>
+                </a:tc>
+                <a:tc>
+                  <a:txBody>
+                    <a:bodyPr/>
+                    <a:lstStyle/>
+                    <a:p>
+                      <a:endParaRPr lang="en-US"/>
+                    </a:p>
+                  </a:txBody>
+                  <a:tcPr/>
+                </a:tc>
+                <a:extLst>
+                  <a:ext uri="{0D108BD9-81ED-4DB2-BD59-A6C34878D82A}">
+                    <a16:rowId xmlns:a16="http://schemas.microsoft.com/office/drawing/2014/main" val="3297154272"/>
+                  </a:ext>
+                </a:extLst>
+              </a:tr>
+              <a:tr h="337526">
+                <a:tc>
+                  <a:txBody>
+                    <a:bodyPr/>
+                    <a:lstStyle/>
+                    <a:p>
+                      <a:endParaRPr lang="en-US"/>
+                    </a:p>
+                  </a:txBody>
+                  <a:tcPr/>
+                </a:tc>
+                <a:tc>
+                  <a:txBody>
+                    <a:bodyPr/>
+                    <a:lstStyle/>
+                    <a:p>
+                      <a:endParaRPr lang="en-US"/>
+                    </a:p>
+                  </a:txBody>
+                  <a:tcPr/>
+                </a:tc>
+                <a:tc>
+                  <a:txBody>
+                    <a:bodyPr/>
+                    <a:lstStyle/>
+                    <a:p>
+                      <a:endParaRPr lang="en-US"/>
+                    </a:p>
+                  </a:txBody>
+                  <a:tcPr/>
+                </a:tc>
+                <a:tc>
+                  <a:txBody>
+                    <a:bodyPr/>
+                    <a:lstStyle/>
+                    <a:p>
+                      <a:endParaRPr lang="en-US"/>
+                    </a:p>
+                  </a:txBody>
+                  <a:tcPr/>
+                </a:tc>
+                <a:tc>
+                  <a:txBody>
+                    <a:bodyPr/>
+                    <a:lstStyle/>
+                    <a:p>
+                      <a:endParaRPr lang="en-US"/>
+                    </a:p>
+                  </a:txBody>
+                  <a:tcPr/>
+                </a:tc>
+                <a:tc>
+                  <a:txBody>
+                    <a:bodyPr/>
+                    <a:lstStyle/>
+                    <a:p>
+                      <a:endParaRPr lang="en-US"/>
+                    </a:p>
+                  </a:txBody>
+                  <a:tcPr/>
+                </a:tc>
+                <a:tc>
+                  <a:txBody>
+                    <a:bodyPr/>
+                    <a:lstStyle/>
+                    <a:p>
+                      <a:endParaRPr lang="en-US"/>
+                    </a:p>
+                  </a:txBody>
+                  <a:tcPr/>
+                </a:tc>
+                <a:tc>
+                  <a:txBody>
+                    <a:bodyPr/>
+                    <a:lstStyle/>
+                    <a:p>
+                      <a:endParaRPr lang="en-US"/>
+                    </a:p>
+                  </a:txBody>
+                  <a:tcPr/>
+                </a:tc>
+                <a:tc>
+                  <a:txBody>
+                    <a:bodyPr/>
+                    <a:lstStyle/>
+                    <a:p>
+                      <a:endParaRPr lang="en-US"/>
+                    </a:p>
+                  </a:txBody>
+                  <a:tcPr/>
+                </a:tc>
+                <a:tc>
+                  <a:txBody>
+                    <a:bodyPr/>
+                    <a:lstStyle/>
+                    <a:p>
+                      <a:endParaRPr lang="en-US"/>
+                    </a:p>
+                  </a:txBody>
+                  <a:tcPr/>
+                </a:tc>
+                <a:extLst>
+                  <a:ext uri="{0D108BD9-81ED-4DB2-BD59-A6C34878D82A}">
+                    <a16:rowId xmlns:a16="http://schemas.microsoft.com/office/drawing/2014/main" val="2779333438"/>
+                  </a:ext>
+                </a:extLst>
+              </a:tr>
+              <a:tr h="337526">
+                <a:tc>
+                  <a:txBody>
+                    <a:bodyPr/>
+                    <a:lstStyle/>
+                    <a:p>
+                      <a:endParaRPr lang="en-US"/>
+                    </a:p>
+                  </a:txBody>
+                  <a:tcPr/>
+                </a:tc>
+                <a:tc>
+                  <a:txBody>
+                    <a:bodyPr/>
+                    <a:lstStyle/>
+                    <a:p>
+                      <a:endParaRPr lang="en-US"/>
+                    </a:p>
+                  </a:txBody>
+                  <a:tcPr/>
+                </a:tc>
+                <a:tc>
+                  <a:txBody>
+                    <a:bodyPr/>
+                    <a:lstStyle/>
+                    <a:p>
+                      <a:endParaRPr lang="en-US"/>
+                    </a:p>
+                  </a:txBody>
+                  <a:tcPr/>
+                </a:tc>
+                <a:tc>
+                  <a:txBody>
+                    <a:bodyPr/>
+                    <a:lstStyle/>
+                    <a:p>
+                      <a:endParaRPr lang="en-US"/>
+                    </a:p>
+                  </a:txBody>
+                  <a:tcPr/>
+                </a:tc>
+                <a:tc>
+                  <a:txBody>
+                    <a:bodyPr/>
+                    <a:lstStyle/>
+                    <a:p>
+                      <a:r>
+                        <a:rPr lang="en-US" dirty="0"/>
+                        <a:t>0</a:t>
+                      </a:r>
+                    </a:p>
+                  </a:txBody>
+                  <a:tcPr/>
+                </a:tc>
+                <a:tc>
+                  <a:txBody>
+                    <a:bodyPr/>
+                    <a:lstStyle/>
+                    <a:p>
+                      <a:r>
+                        <a:rPr lang="en-US" dirty="0"/>
+                        <a:t>0</a:t>
+                      </a:r>
+                    </a:p>
+                  </a:txBody>
+                  <a:tcPr/>
+                </a:tc>
+                <a:tc>
+                  <a:txBody>
+                    <a:bodyPr/>
+                    <a:lstStyle/>
+                    <a:p>
+                      <a:endParaRPr lang="en-US"/>
+                    </a:p>
+                  </a:txBody>
+                  <a:tcPr/>
+                </a:tc>
+                <a:tc>
+                  <a:txBody>
+                    <a:bodyPr/>
+                    <a:lstStyle/>
+                    <a:p>
+                      <a:endParaRPr lang="en-US"/>
+                    </a:p>
+                  </a:txBody>
+                  <a:tcPr/>
+                </a:tc>
+                <a:tc>
+                  <a:txBody>
+                    <a:bodyPr/>
+                    <a:lstStyle/>
+                    <a:p>
+                      <a:endParaRPr lang="en-US"/>
+                    </a:p>
+                  </a:txBody>
+                  <a:tcPr/>
+                </a:tc>
+                <a:tc>
+                  <a:txBody>
+                    <a:bodyPr/>
+                    <a:lstStyle/>
+                    <a:p>
+                      <a:endParaRPr lang="en-US" dirty="0"/>
+                    </a:p>
+                  </a:txBody>
+                  <a:tcPr/>
+                </a:tc>
+                <a:extLst>
+                  <a:ext uri="{0D108BD9-81ED-4DB2-BD59-A6C34878D82A}">
+                    <a16:rowId xmlns:a16="http://schemas.microsoft.com/office/drawing/2014/main" val="4060312509"/>
+                  </a:ext>
+                </a:extLst>
+              </a:tr>
+              <a:tr h="337526">
+                <a:tc>
+                  <a:txBody>
+                    <a:bodyPr/>
+                    <a:lstStyle/>
+                    <a:p>
+                      <a:endParaRPr lang="en-US"/>
+                    </a:p>
+                  </a:txBody>
+                  <a:tcPr/>
+                </a:tc>
+                <a:tc>
+                  <a:txBody>
+                    <a:bodyPr/>
+                    <a:lstStyle/>
+                    <a:p>
+                      <a:endParaRPr lang="en-US"/>
+                    </a:p>
+                  </a:txBody>
+                  <a:tcPr/>
+                </a:tc>
+                <a:tc>
+                  <a:txBody>
+                    <a:bodyPr/>
+                    <a:lstStyle/>
+                    <a:p>
+                      <a:endParaRPr lang="en-US"/>
+                    </a:p>
+                  </a:txBody>
+                  <a:tcPr/>
+                </a:tc>
+                <a:tc>
+                  <a:txBody>
+                    <a:bodyPr/>
+                    <a:lstStyle/>
+                    <a:p>
+                      <a:endParaRPr lang="en-US"/>
+                    </a:p>
+                  </a:txBody>
+                  <a:tcPr/>
+                </a:tc>
+                <a:tc>
+                  <a:txBody>
+                    <a:bodyPr/>
+                    <a:lstStyle/>
+                    <a:p>
+                      <a:r>
+                        <a:rPr lang="en-US" dirty="0"/>
+                        <a:t>0</a:t>
+                      </a:r>
+                    </a:p>
+                  </a:txBody>
+                  <a:tcPr/>
+                </a:tc>
+                <a:tc>
+                  <a:txBody>
+                    <a:bodyPr/>
+                    <a:lstStyle/>
+                    <a:p>
+                      <a:r>
+                        <a:rPr lang="en-US" dirty="0"/>
+                        <a:t>0</a:t>
+                      </a:r>
+                    </a:p>
+                  </a:txBody>
+                  <a:tcPr/>
+                </a:tc>
+                <a:tc>
+                  <a:txBody>
+                    <a:bodyPr/>
+                    <a:lstStyle/>
+                    <a:p>
+                      <a:endParaRPr lang="en-US"/>
+                    </a:p>
+                  </a:txBody>
+                  <a:tcPr/>
+                </a:tc>
+                <a:tc>
+                  <a:txBody>
+                    <a:bodyPr/>
+                    <a:lstStyle/>
+                    <a:p>
+                      <a:endParaRPr lang="en-US"/>
+                    </a:p>
+                  </a:txBody>
+                  <a:tcPr/>
+                </a:tc>
+                <a:tc>
+                  <a:txBody>
+                    <a:bodyPr/>
+                    <a:lstStyle/>
+                    <a:p>
+                      <a:endParaRPr lang="en-US"/>
+                    </a:p>
+                  </a:txBody>
+                  <a:tcPr/>
+                </a:tc>
+                <a:tc>
+                  <a:txBody>
+                    <a:bodyPr/>
+                    <a:lstStyle/>
+                    <a:p>
+                      <a:endParaRPr lang="en-US" dirty="0"/>
+                    </a:p>
+                  </a:txBody>
+                  <a:tcPr/>
+                </a:tc>
+                <a:extLst>
+                  <a:ext uri="{0D108BD9-81ED-4DB2-BD59-A6C34878D82A}">
+                    <a16:rowId xmlns:a16="http://schemas.microsoft.com/office/drawing/2014/main" val="1542537116"/>
+                  </a:ext>
+                </a:extLst>
+              </a:tr>
+              <a:tr h="337526">
+                <a:tc>
+                  <a:txBody>
+                    <a:bodyPr/>
+                    <a:lstStyle/>
+                    <a:p>
+                      <a:endParaRPr lang="en-US"/>
+                    </a:p>
+                  </a:txBody>
+                  <a:tcPr/>
+                </a:tc>
+                <a:tc>
+                  <a:txBody>
+                    <a:bodyPr/>
+                    <a:lstStyle/>
+                    <a:p>
+                      <a:endParaRPr lang="en-US"/>
+                    </a:p>
+                  </a:txBody>
+                  <a:tcPr/>
+                </a:tc>
+                <a:tc>
+                  <a:txBody>
+                    <a:bodyPr/>
+                    <a:lstStyle/>
+                    <a:p>
+                      <a:endParaRPr lang="en-US"/>
+                    </a:p>
+                  </a:txBody>
+                  <a:tcPr/>
+                </a:tc>
+                <a:tc>
+                  <a:txBody>
+                    <a:bodyPr/>
+                    <a:lstStyle/>
+                    <a:p>
+                      <a:endParaRPr lang="en-US"/>
+                    </a:p>
+                  </a:txBody>
+                  <a:tcPr/>
+                </a:tc>
+                <a:tc>
+                  <a:txBody>
+                    <a:bodyPr/>
+                    <a:lstStyle/>
+                    <a:p>
+                      <a:r>
+                        <a:rPr lang="en-US" dirty="0"/>
+                        <a:t>0</a:t>
+                      </a:r>
+                    </a:p>
+                  </a:txBody>
+                  <a:tcPr/>
+                </a:tc>
+                <a:tc>
+                  <a:txBody>
+                    <a:bodyPr/>
+                    <a:lstStyle/>
+                    <a:p>
+                      <a:r>
+                        <a:rPr lang="en-US" dirty="0"/>
+                        <a:t>0</a:t>
+                      </a:r>
+                    </a:p>
+                  </a:txBody>
+                  <a:tcPr/>
+                </a:tc>
+                <a:tc>
+                  <a:txBody>
+                    <a:bodyPr/>
+                    <a:lstStyle/>
+                    <a:p>
+                      <a:endParaRPr lang="en-US"/>
+                    </a:p>
+                  </a:txBody>
+                  <a:tcPr/>
+                </a:tc>
+                <a:tc>
+                  <a:txBody>
+                    <a:bodyPr/>
+                    <a:lstStyle/>
+                    <a:p>
+                      <a:endParaRPr lang="en-US" dirty="0"/>
+                    </a:p>
+                  </a:txBody>
+                  <a:tcPr/>
+                </a:tc>
+                <a:tc>
+                  <a:txBody>
+                    <a:bodyPr/>
+                    <a:lstStyle/>
+                    <a:p>
+                      <a:endParaRPr lang="en-US"/>
+                    </a:p>
+                  </a:txBody>
+                  <a:tcPr/>
+                </a:tc>
+                <a:tc>
+                  <a:txBody>
+                    <a:bodyPr/>
+                    <a:lstStyle/>
+                    <a:p>
+                      <a:endParaRPr lang="en-US" dirty="0"/>
+                    </a:p>
+                  </a:txBody>
+                  <a:tcPr/>
+                </a:tc>
+                <a:extLst>
+                  <a:ext uri="{0D108BD9-81ED-4DB2-BD59-A6C34878D82A}">
+                    <a16:rowId xmlns:a16="http://schemas.microsoft.com/office/drawing/2014/main" val="2216618589"/>
+                  </a:ext>
+                </a:extLst>
+              </a:tr>
+            </a:tbl>
+          </a:graphicData>
+        </a:graphic>
+      </p:graphicFrame>
+    </p:spTree>
+    <p:extLst>
+      <p:ext uri="{BB962C8B-B14F-4D97-AF65-F5344CB8AC3E}">
+        <p14:creationId xmlns:p14="http://schemas.microsoft.com/office/powerpoint/2010/main" val="1801990891"/>
       </p:ext>
     </p:extLst>
   </p:cSld>
